--- a/Project Presentation/PPT/SPP.pptx
+++ b/Project Presentation/PPT/SPP.pptx
@@ -34,20 +34,24 @@
     <p:sldId id="284" r:id="rId28"/>
     <p:sldId id="307" r:id="rId29"/>
     <p:sldId id="285" r:id="rId30"/>
-    <p:sldId id="286" r:id="rId31"/>
-    <p:sldId id="287" r:id="rId32"/>
-    <p:sldId id="288" r:id="rId33"/>
-    <p:sldId id="291" r:id="rId34"/>
-    <p:sldId id="292" r:id="rId35"/>
-    <p:sldId id="293" r:id="rId36"/>
-    <p:sldId id="294" r:id="rId37"/>
-    <p:sldId id="295" r:id="rId38"/>
-    <p:sldId id="296" r:id="rId39"/>
-    <p:sldId id="289" r:id="rId40"/>
-    <p:sldId id="290" r:id="rId41"/>
-    <p:sldId id="297" r:id="rId42"/>
-    <p:sldId id="298" r:id="rId43"/>
-    <p:sldId id="262" r:id="rId44"/>
+    <p:sldId id="315" r:id="rId31"/>
+    <p:sldId id="286" r:id="rId32"/>
+    <p:sldId id="308" r:id="rId33"/>
+    <p:sldId id="309" r:id="rId34"/>
+    <p:sldId id="310" r:id="rId35"/>
+    <p:sldId id="311" r:id="rId36"/>
+    <p:sldId id="312" r:id="rId37"/>
+    <p:sldId id="313" r:id="rId38"/>
+    <p:sldId id="287" r:id="rId39"/>
+    <p:sldId id="288" r:id="rId40"/>
+    <p:sldId id="291" r:id="rId41"/>
+    <p:sldId id="316" r:id="rId42"/>
+    <p:sldId id="318" r:id="rId43"/>
+    <p:sldId id="289" r:id="rId44"/>
+    <p:sldId id="290" r:id="rId45"/>
+    <p:sldId id="297" r:id="rId46"/>
+    <p:sldId id="298" r:id="rId47"/>
+    <p:sldId id="319" r:id="rId48"/>
   </p:sldIdLst>
   <p:sldSz cx="12192000" cy="6858000"/>
   <p:notesSz cx="6858000" cy="9144000"/>
@@ -876,7 +880,7 @@
           <a:p>
             <a:fld id="{10B8E609-8106-4194-9A1E-806FDC5FBA7B}" type="datetimeFigureOut">
               <a:rPr lang="en-US" smtClean="0"/>
-              <a:t>3/10/2021</a:t>
+              <a:t>3/13/2021</a:t>
             </a:fld>
             <a:endParaRPr lang="en-US"/>
           </a:p>
@@ -1127,7 +1131,7 @@
           <a:p>
             <a:fld id="{10B8E609-8106-4194-9A1E-806FDC5FBA7B}" type="datetimeFigureOut">
               <a:rPr lang="en-US" smtClean="0"/>
-              <a:t>3/10/2021</a:t>
+              <a:t>3/13/2021</a:t>
             </a:fld>
             <a:endParaRPr lang="en-US"/>
           </a:p>
@@ -1441,7 +1445,7 @@
           <a:p>
             <a:fld id="{10B8E609-8106-4194-9A1E-806FDC5FBA7B}" type="datetimeFigureOut">
               <a:rPr lang="en-US" smtClean="0"/>
-              <a:t>3/10/2021</a:t>
+              <a:t>3/13/2021</a:t>
             </a:fld>
             <a:endParaRPr lang="en-US"/>
           </a:p>
@@ -1782,7 +1786,7 @@
           <a:p>
             <a:fld id="{10B8E609-8106-4194-9A1E-806FDC5FBA7B}" type="datetimeFigureOut">
               <a:rPr lang="en-US" smtClean="0"/>
-              <a:t>3/10/2021</a:t>
+              <a:t>3/13/2021</a:t>
             </a:fld>
             <a:endParaRPr lang="en-US"/>
           </a:p>
@@ -2096,7 +2100,7 @@
           <a:p>
             <a:fld id="{10B8E609-8106-4194-9A1E-806FDC5FBA7B}" type="datetimeFigureOut">
               <a:rPr lang="en-US" smtClean="0"/>
-              <a:t>3/10/2021</a:t>
+              <a:t>3/13/2021</a:t>
             </a:fld>
             <a:endParaRPr lang="en-US"/>
           </a:p>
@@ -2489,7 +2493,7 @@
           <a:p>
             <a:fld id="{10B8E609-8106-4194-9A1E-806FDC5FBA7B}" type="datetimeFigureOut">
               <a:rPr lang="en-US" smtClean="0"/>
-              <a:t>3/10/2021</a:t>
+              <a:t>3/13/2021</a:t>
             </a:fld>
             <a:endParaRPr lang="en-US"/>
           </a:p>
@@ -2659,7 +2663,7 @@
           <a:p>
             <a:fld id="{10B8E609-8106-4194-9A1E-806FDC5FBA7B}" type="datetimeFigureOut">
               <a:rPr lang="en-US" smtClean="0"/>
-              <a:t>3/10/2021</a:t>
+              <a:t>3/13/2021</a:t>
             </a:fld>
             <a:endParaRPr lang="en-US"/>
           </a:p>
@@ -2839,7 +2843,7 @@
           <a:p>
             <a:fld id="{10B8E609-8106-4194-9A1E-806FDC5FBA7B}" type="datetimeFigureOut">
               <a:rPr lang="en-US" smtClean="0"/>
-              <a:t>3/10/2021</a:t>
+              <a:t>3/13/2021</a:t>
             </a:fld>
             <a:endParaRPr lang="en-US"/>
           </a:p>
@@ -3015,7 +3019,7 @@
           <a:p>
             <a:fld id="{10B8E609-8106-4194-9A1E-806FDC5FBA7B}" type="datetimeFigureOut">
               <a:rPr lang="en-US" smtClean="0"/>
-              <a:t>3/10/2021</a:t>
+              <a:t>3/13/2021</a:t>
             </a:fld>
             <a:endParaRPr lang="en-US"/>
           </a:p>
@@ -3262,7 +3266,7 @@
           <a:p>
             <a:fld id="{10B8E609-8106-4194-9A1E-806FDC5FBA7B}" type="datetimeFigureOut">
               <a:rPr lang="en-US" smtClean="0"/>
-              <a:t>3/10/2021</a:t>
+              <a:t>3/13/2021</a:t>
             </a:fld>
             <a:endParaRPr lang="en-US"/>
           </a:p>
@@ -3494,7 +3498,7 @@
           <a:p>
             <a:fld id="{10B8E609-8106-4194-9A1E-806FDC5FBA7B}" type="datetimeFigureOut">
               <a:rPr lang="en-US" smtClean="0"/>
-              <a:t>3/10/2021</a:t>
+              <a:t>3/13/2021</a:t>
             </a:fld>
             <a:endParaRPr lang="en-US"/>
           </a:p>
@@ -3868,7 +3872,7 @@
           <a:p>
             <a:fld id="{10B8E609-8106-4194-9A1E-806FDC5FBA7B}" type="datetimeFigureOut">
               <a:rPr lang="en-US" smtClean="0"/>
-              <a:t>3/10/2021</a:t>
+              <a:t>3/13/2021</a:t>
             </a:fld>
             <a:endParaRPr lang="en-US"/>
           </a:p>
@@ -3991,7 +3995,7 @@
           <a:p>
             <a:fld id="{10B8E609-8106-4194-9A1E-806FDC5FBA7B}" type="datetimeFigureOut">
               <a:rPr lang="en-US" smtClean="0"/>
-              <a:t>3/10/2021</a:t>
+              <a:t>3/13/2021</a:t>
             </a:fld>
             <a:endParaRPr lang="en-US"/>
           </a:p>
@@ -4086,7 +4090,7 @@
           <a:p>
             <a:fld id="{10B8E609-8106-4194-9A1E-806FDC5FBA7B}" type="datetimeFigureOut">
               <a:rPr lang="en-US" smtClean="0"/>
-              <a:t>3/10/2021</a:t>
+              <a:t>3/13/2021</a:t>
             </a:fld>
             <a:endParaRPr lang="en-US"/>
           </a:p>
@@ -4341,7 +4345,7 @@
           <a:p>
             <a:fld id="{10B8E609-8106-4194-9A1E-806FDC5FBA7B}" type="datetimeFigureOut">
               <a:rPr lang="en-US" smtClean="0"/>
-              <a:t>3/10/2021</a:t>
+              <a:t>3/13/2021</a:t>
             </a:fld>
             <a:endParaRPr lang="en-US"/>
           </a:p>
@@ -4604,7 +4608,7 @@
           <a:p>
             <a:fld id="{10B8E609-8106-4194-9A1E-806FDC5FBA7B}" type="datetimeFigureOut">
               <a:rPr lang="en-US" smtClean="0"/>
-              <a:t>3/10/2021</a:t>
+              <a:t>3/13/2021</a:t>
             </a:fld>
             <a:endParaRPr lang="en-US"/>
           </a:p>
@@ -5347,7 +5351,7 @@
           <a:p>
             <a:fld id="{10B8E609-8106-4194-9A1E-806FDC5FBA7B}" type="datetimeFigureOut">
               <a:rPr lang="en-US" smtClean="0"/>
-              <a:t>3/10/2021</a:t>
+              <a:t>3/13/2021</a:t>
             </a:fld>
             <a:endParaRPr lang="en-US"/>
           </a:p>
@@ -5881,8 +5885,8 @@
         </p:nvSpPr>
         <p:spPr>
           <a:xfrm>
-            <a:off x="-382588" y="685798"/>
-            <a:ext cx="12188825" cy="762002"/>
+            <a:off x="-411163" y="350520"/>
+            <a:ext cx="12188825" cy="1571268"/>
           </a:xfrm>
           <a:prstGeom prst="rect">
             <a:avLst/>
@@ -5967,9 +5971,11 @@
           <a:p>
             <a:pPr algn="ctr"/>
             <a:r>
-              <a:rPr lang="en-US" sz="4800" b="1" u="sng" dirty="0">
-                <a:latin typeface="Times New Roman" panose="02020603050405020304" pitchFamily="18" charset="0"/>
-                <a:cs typeface="Times New Roman" panose="02020603050405020304" pitchFamily="18" charset="0"/>
+              <a:rPr lang="en-US" sz="4800" dirty="0">
+                <a:solidFill>
+                  <a:schemeClr val="tx1"/>
+                </a:solidFill>
+                <a:latin typeface="Trebuchet MS" panose="020B0603020202020204" pitchFamily="34" charset="0"/>
               </a:rPr>
               <a:t>Stock Price Prediction</a:t>
             </a:r>
@@ -5977,12 +5983,21 @@
           <a:p>
             <a:pPr algn="ctr"/>
             <a:r>
-              <a:rPr lang="en-US" sz="4800" b="1" u="sng" dirty="0">
-                <a:latin typeface="Times New Roman" panose="02020603050405020304" pitchFamily="18" charset="0"/>
-                <a:cs typeface="Times New Roman" panose="02020603050405020304" pitchFamily="18" charset="0"/>
+              <a:rPr lang="en-US" sz="4800" dirty="0">
+                <a:solidFill>
+                  <a:schemeClr val="tx1"/>
+                </a:solidFill>
+                <a:latin typeface="Trebuchet MS" panose="020B0603020202020204" pitchFamily="34" charset="0"/>
               </a:rPr>
               <a:t>using Machine Learning</a:t>
             </a:r>
+            <a:endParaRPr lang="en-US" sz="4800" b="1" u="sng" dirty="0">
+              <a:solidFill>
+                <a:schemeClr val="tx1"/>
+              </a:solidFill>
+              <a:latin typeface="Times New Roman" panose="02020603050405020304" pitchFamily="18" charset="0"/>
+              <a:cs typeface="Times New Roman" panose="02020603050405020304" pitchFamily="18" charset="0"/>
+            </a:endParaRPr>
           </a:p>
         </p:txBody>
       </p:sp>
@@ -12427,43 +12442,45 @@
           <a:p>
             <a:r>
               <a:rPr lang="en-US" dirty="0"/>
-              <a:t>Input &amp; Output Design</a:t>
+              <a:t>Home Page</a:t>
             </a:r>
             <a:endParaRPr lang="en-IN" dirty="0"/>
           </a:p>
         </p:txBody>
       </p:sp>
-      <p:sp>
-        <p:nvSpPr>
-          <p:cNvPr id="3" name="Content Placeholder 2">
+      <p:pic>
+        <p:nvPicPr>
+          <p:cNvPr id="5" name="Content Placeholder 4">
             <a:extLst>
               <a:ext uri="{FF2B5EF4-FFF2-40B4-BE49-F238E27FC236}">
-                <a16:creationId xmlns:a16="http://schemas.microsoft.com/office/drawing/2014/main" id="{118A1944-C412-4D9E-BF6D-B5C5C26FBBB2}"/>
+                <a16:creationId xmlns:a16="http://schemas.microsoft.com/office/drawing/2014/main" id="{1AF3F4B1-2220-4A37-A2E0-FA6215D9B444}"/>
               </a:ext>
             </a:extLst>
           </p:cNvPr>
-          <p:cNvSpPr>
-            <a:spLocks noGrp="1"/>
-          </p:cNvSpPr>
+          <p:cNvPicPr>
+            <a:picLocks noGrp="1" noChangeAspect="1"/>
+          </p:cNvPicPr>
           <p:nvPr>
             <p:ph idx="1"/>
           </p:nvPr>
-        </p:nvSpPr>
-        <p:spPr/>
-        <p:txBody>
-          <a:bodyPr>
-            <a:normAutofit/>
-          </a:bodyPr>
-          <a:lstStyle/>
-          <a:p>
-            <a:endParaRPr lang="en-IN" dirty="0"/>
-          </a:p>
-        </p:txBody>
-      </p:sp>
+        </p:nvPicPr>
+        <p:blipFill>
+          <a:blip r:embed="rId2"/>
+          <a:stretch>
+            <a:fillRect/>
+          </a:stretch>
+        </p:blipFill>
+        <p:spPr>
+          <a:xfrm>
+            <a:off x="677334" y="1666875"/>
+            <a:ext cx="8619066" cy="4848225"/>
+          </a:xfrm>
+        </p:spPr>
+      </p:pic>
     </p:spTree>
     <p:extLst>
       <p:ext uri="{BB962C8B-B14F-4D97-AF65-F5344CB8AC3E}">
-        <p14:creationId xmlns:p14="http://schemas.microsoft.com/office/powerpoint/2010/main" val="3146232051"/>
+        <p14:creationId xmlns:p14="http://schemas.microsoft.com/office/powerpoint/2010/main" val="2789445221"/>
       </p:ext>
     </p:extLst>
   </p:cSld>
@@ -12495,7 +12512,7 @@
           <p:cNvPr id="2" name="Title 1">
             <a:extLst>
               <a:ext uri="{FF2B5EF4-FFF2-40B4-BE49-F238E27FC236}">
-                <a16:creationId xmlns:a16="http://schemas.microsoft.com/office/drawing/2014/main" id="{D6AF07E2-2033-4F66-A61A-0671AA60DDEB}"/>
+                <a16:creationId xmlns:a16="http://schemas.microsoft.com/office/drawing/2014/main" id="{6333E874-0081-4EB8-AE50-2317ED5F8C40}"/>
               </a:ext>
             </a:extLst>
           </p:cNvPr>
@@ -12512,45 +12529,46 @@
           <a:lstStyle/>
           <a:p>
             <a:r>
-              <a:rPr lang="en-US" sz="4000" b="1" dirty="0">
-                <a:latin typeface="Times New Roman" panose="02020603050405020304" pitchFamily="18" charset="0"/>
-                <a:cs typeface="Times New Roman" panose="02020603050405020304" pitchFamily="18" charset="0"/>
-              </a:rPr>
-              <a:t>Testing</a:t>
-            </a:r>
-            <a:endParaRPr lang="en-US" dirty="0"/>
+              <a:rPr lang="en-US" dirty="0"/>
+              <a:t>Login Page</a:t>
+            </a:r>
+            <a:endParaRPr lang="en-IN" dirty="0"/>
           </a:p>
         </p:txBody>
       </p:sp>
-      <p:sp>
-        <p:nvSpPr>
-          <p:cNvPr id="3" name="Text Placeholder 2">
+      <p:pic>
+        <p:nvPicPr>
+          <p:cNvPr id="11" name="Content Placeholder 10">
             <a:extLst>
               <a:ext uri="{FF2B5EF4-FFF2-40B4-BE49-F238E27FC236}">
-                <a16:creationId xmlns:a16="http://schemas.microsoft.com/office/drawing/2014/main" id="{606413EA-31CC-401C-AA52-AB1B7F685215}"/>
+                <a16:creationId xmlns:a16="http://schemas.microsoft.com/office/drawing/2014/main" id="{B620CFFC-2C79-4CDD-BC0C-B6B4E19BFC6D}"/>
               </a:ext>
             </a:extLst>
           </p:cNvPr>
-          <p:cNvSpPr>
-            <a:spLocks noGrp="1"/>
-          </p:cNvSpPr>
+          <p:cNvPicPr>
+            <a:picLocks noGrp="1" noChangeAspect="1"/>
+          </p:cNvPicPr>
           <p:nvPr>
-            <p:ph type="body" idx="1"/>
+            <p:ph idx="1"/>
           </p:nvPr>
-        </p:nvSpPr>
-        <p:spPr/>
-        <p:txBody>
-          <a:bodyPr/>
-          <a:lstStyle/>
-          <a:p>
-            <a:endParaRPr lang="en-IN"/>
-          </a:p>
-        </p:txBody>
-      </p:sp>
+        </p:nvPicPr>
+        <p:blipFill>
+          <a:blip r:embed="rId2"/>
+          <a:stretch>
+            <a:fillRect/>
+          </a:stretch>
+        </p:blipFill>
+        <p:spPr>
+          <a:xfrm>
+            <a:off x="677333" y="1560513"/>
+            <a:ext cx="8334021" cy="4687887"/>
+          </a:xfrm>
+        </p:spPr>
+      </p:pic>
     </p:spTree>
     <p:extLst>
       <p:ext uri="{BB962C8B-B14F-4D97-AF65-F5344CB8AC3E}">
-        <p14:creationId xmlns:p14="http://schemas.microsoft.com/office/powerpoint/2010/main" val="2114717030"/>
+        <p14:creationId xmlns:p14="http://schemas.microsoft.com/office/powerpoint/2010/main" val="3146232051"/>
       </p:ext>
     </p:extLst>
   </p:cSld>
@@ -12599,47 +12617,46 @@
           <a:lstStyle/>
           <a:p>
             <a:r>
-              <a:rPr lang="en-US" sz="3600" b="1" dirty="0">
-                <a:latin typeface="Times New Roman" panose="02020603050405020304" pitchFamily="18" charset="0"/>
-                <a:cs typeface="Times New Roman" panose="02020603050405020304" pitchFamily="18" charset="0"/>
-              </a:rPr>
-              <a:t>Testing For Validation</a:t>
+              <a:rPr lang="en-US" dirty="0"/>
+              <a:t>Signup Page</a:t>
             </a:r>
             <a:endParaRPr lang="en-IN" dirty="0"/>
           </a:p>
         </p:txBody>
       </p:sp>
-      <p:sp>
-        <p:nvSpPr>
-          <p:cNvPr id="3" name="Content Placeholder 2">
+      <p:pic>
+        <p:nvPicPr>
+          <p:cNvPr id="5" name="Content Placeholder 4">
             <a:extLst>
               <a:ext uri="{FF2B5EF4-FFF2-40B4-BE49-F238E27FC236}">
-                <a16:creationId xmlns:a16="http://schemas.microsoft.com/office/drawing/2014/main" id="{118A1944-C412-4D9E-BF6D-B5C5C26FBBB2}"/>
+                <a16:creationId xmlns:a16="http://schemas.microsoft.com/office/drawing/2014/main" id="{2FCC956F-EAF6-431A-9ABA-7094EE985800}"/>
               </a:ext>
             </a:extLst>
           </p:cNvPr>
-          <p:cNvSpPr>
-            <a:spLocks noGrp="1"/>
-          </p:cNvSpPr>
+          <p:cNvPicPr>
+            <a:picLocks noGrp="1" noChangeAspect="1"/>
+          </p:cNvPicPr>
           <p:nvPr>
             <p:ph idx="1"/>
           </p:nvPr>
-        </p:nvSpPr>
-        <p:spPr/>
-        <p:txBody>
-          <a:bodyPr>
-            <a:normAutofit/>
-          </a:bodyPr>
-          <a:lstStyle/>
-          <a:p>
-            <a:endParaRPr lang="en-IN" dirty="0"/>
-          </a:p>
-        </p:txBody>
-      </p:sp>
+        </p:nvPicPr>
+        <p:blipFill>
+          <a:blip r:embed="rId2"/>
+          <a:stretch>
+            <a:fillRect/>
+          </a:stretch>
+        </p:blipFill>
+        <p:spPr>
+          <a:xfrm>
+            <a:off x="677334" y="1627188"/>
+            <a:ext cx="8885766" cy="4998244"/>
+          </a:xfrm>
+        </p:spPr>
+      </p:pic>
     </p:spTree>
     <p:extLst>
       <p:ext uri="{BB962C8B-B14F-4D97-AF65-F5344CB8AC3E}">
-        <p14:creationId xmlns:p14="http://schemas.microsoft.com/office/powerpoint/2010/main" val="1939143004"/>
+        <p14:creationId xmlns:p14="http://schemas.microsoft.com/office/powerpoint/2010/main" val="360217306"/>
       </p:ext>
     </p:extLst>
   </p:cSld>
@@ -12688,46 +12705,46 @@
           <a:lstStyle/>
           <a:p>
             <a:r>
-              <a:rPr lang="en-US" sz="3600" b="1" dirty="0">
-                <a:latin typeface="Times New Roman" panose="02020603050405020304" pitchFamily="18" charset="0"/>
-                <a:cs typeface="Times New Roman" panose="02020603050405020304" pitchFamily="18" charset="0"/>
-              </a:rPr>
-              <a:t>Testing For Login</a:t>
-            </a:r>
+              <a:rPr lang="en-US" dirty="0"/>
+              <a:t>Home after login</a:t>
+            </a:r>
+            <a:endParaRPr lang="en-IN" dirty="0"/>
           </a:p>
         </p:txBody>
       </p:sp>
-      <p:sp>
-        <p:nvSpPr>
-          <p:cNvPr id="3" name="Content Placeholder 2">
+      <p:pic>
+        <p:nvPicPr>
+          <p:cNvPr id="5" name="Content Placeholder 4">
             <a:extLst>
               <a:ext uri="{FF2B5EF4-FFF2-40B4-BE49-F238E27FC236}">
-                <a16:creationId xmlns:a16="http://schemas.microsoft.com/office/drawing/2014/main" id="{118A1944-C412-4D9E-BF6D-B5C5C26FBBB2}"/>
+                <a16:creationId xmlns:a16="http://schemas.microsoft.com/office/drawing/2014/main" id="{FE7BF34C-A2D5-4D81-A7F3-49A8CFE803BF}"/>
               </a:ext>
             </a:extLst>
           </p:cNvPr>
-          <p:cNvSpPr>
-            <a:spLocks noGrp="1"/>
-          </p:cNvSpPr>
+          <p:cNvPicPr>
+            <a:picLocks noGrp="1" noChangeAspect="1"/>
+          </p:cNvPicPr>
           <p:nvPr>
             <p:ph idx="1"/>
           </p:nvPr>
-        </p:nvSpPr>
-        <p:spPr/>
-        <p:txBody>
-          <a:bodyPr>
-            <a:normAutofit/>
-          </a:bodyPr>
-          <a:lstStyle/>
-          <a:p>
-            <a:endParaRPr lang="en-IN" dirty="0"/>
-          </a:p>
-        </p:txBody>
-      </p:sp>
+        </p:nvPicPr>
+        <p:blipFill>
+          <a:blip r:embed="rId2"/>
+          <a:stretch>
+            <a:fillRect/>
+          </a:stretch>
+        </p:blipFill>
+        <p:spPr>
+          <a:xfrm>
+            <a:off x="677333" y="1488281"/>
+            <a:ext cx="8733367" cy="4912519"/>
+          </a:xfrm>
+        </p:spPr>
+      </p:pic>
     </p:spTree>
     <p:extLst>
       <p:ext uri="{BB962C8B-B14F-4D97-AF65-F5344CB8AC3E}">
-        <p14:creationId xmlns:p14="http://schemas.microsoft.com/office/powerpoint/2010/main" val="2459001047"/>
+        <p14:creationId xmlns:p14="http://schemas.microsoft.com/office/powerpoint/2010/main" val="1223635805"/>
       </p:ext>
     </p:extLst>
   </p:cSld>
@@ -12776,46 +12793,46 @@
           <a:lstStyle/>
           <a:p>
             <a:r>
-              <a:rPr lang="en-US" sz="3600" b="1" dirty="0">
-                <a:latin typeface="Times New Roman" panose="02020603050405020304" pitchFamily="18" charset="0"/>
-                <a:cs typeface="Times New Roman" panose="02020603050405020304" pitchFamily="18" charset="0"/>
-              </a:rPr>
-              <a:t>Testing For Watchlist</a:t>
-            </a:r>
+              <a:rPr lang="en-US" dirty="0"/>
+              <a:t>Watchlist Page</a:t>
+            </a:r>
+            <a:endParaRPr lang="en-IN" dirty="0"/>
           </a:p>
         </p:txBody>
       </p:sp>
-      <p:sp>
-        <p:nvSpPr>
-          <p:cNvPr id="3" name="Content Placeholder 2">
+      <p:pic>
+        <p:nvPicPr>
+          <p:cNvPr id="5" name="Content Placeholder 4">
             <a:extLst>
               <a:ext uri="{FF2B5EF4-FFF2-40B4-BE49-F238E27FC236}">
-                <a16:creationId xmlns:a16="http://schemas.microsoft.com/office/drawing/2014/main" id="{118A1944-C412-4D9E-BF6D-B5C5C26FBBB2}"/>
+                <a16:creationId xmlns:a16="http://schemas.microsoft.com/office/drawing/2014/main" id="{342B1CF7-363D-4C6D-BA60-81804903F995}"/>
               </a:ext>
             </a:extLst>
           </p:cNvPr>
-          <p:cNvSpPr>
-            <a:spLocks noGrp="1"/>
-          </p:cNvSpPr>
+          <p:cNvPicPr>
+            <a:picLocks noGrp="1" noChangeAspect="1"/>
+          </p:cNvPicPr>
           <p:nvPr>
             <p:ph idx="1"/>
           </p:nvPr>
-        </p:nvSpPr>
-        <p:spPr/>
-        <p:txBody>
-          <a:bodyPr>
-            <a:normAutofit/>
-          </a:bodyPr>
-          <a:lstStyle/>
-          <a:p>
-            <a:endParaRPr lang="en-IN" dirty="0"/>
-          </a:p>
-        </p:txBody>
-      </p:sp>
+        </p:nvPicPr>
+        <p:blipFill>
+          <a:blip r:embed="rId2"/>
+          <a:stretch>
+            <a:fillRect/>
+          </a:stretch>
+        </p:blipFill>
+        <p:spPr>
+          <a:xfrm>
+            <a:off x="677333" y="1488281"/>
+            <a:ext cx="8838141" cy="4971455"/>
+          </a:xfrm>
+        </p:spPr>
+      </p:pic>
     </p:spTree>
     <p:extLst>
       <p:ext uri="{BB962C8B-B14F-4D97-AF65-F5344CB8AC3E}">
-        <p14:creationId xmlns:p14="http://schemas.microsoft.com/office/powerpoint/2010/main" val="287040168"/>
+        <p14:creationId xmlns:p14="http://schemas.microsoft.com/office/powerpoint/2010/main" val="610739437"/>
       </p:ext>
     </p:extLst>
   </p:cSld>
@@ -12864,46 +12881,46 @@
           <a:lstStyle/>
           <a:p>
             <a:r>
-              <a:rPr lang="en-US" sz="3600" b="1" dirty="0">
-                <a:latin typeface="Times New Roman" panose="02020603050405020304" pitchFamily="18" charset="0"/>
-                <a:cs typeface="Times New Roman" panose="02020603050405020304" pitchFamily="18" charset="0"/>
-              </a:rPr>
-              <a:t>Testing For Holding</a:t>
-            </a:r>
+              <a:rPr lang="en-US" dirty="0"/>
+              <a:t>Holdings Page</a:t>
+            </a:r>
+            <a:endParaRPr lang="en-IN" dirty="0"/>
           </a:p>
         </p:txBody>
       </p:sp>
-      <p:sp>
-        <p:nvSpPr>
-          <p:cNvPr id="3" name="Content Placeholder 2">
+      <p:pic>
+        <p:nvPicPr>
+          <p:cNvPr id="5" name="Content Placeholder 4">
             <a:extLst>
               <a:ext uri="{FF2B5EF4-FFF2-40B4-BE49-F238E27FC236}">
-                <a16:creationId xmlns:a16="http://schemas.microsoft.com/office/drawing/2014/main" id="{118A1944-C412-4D9E-BF6D-B5C5C26FBBB2}"/>
+                <a16:creationId xmlns:a16="http://schemas.microsoft.com/office/drawing/2014/main" id="{FBA3851B-77D2-410C-ABCE-D5759EFBB34F}"/>
               </a:ext>
             </a:extLst>
           </p:cNvPr>
-          <p:cNvSpPr>
-            <a:spLocks noGrp="1"/>
-          </p:cNvSpPr>
+          <p:cNvPicPr>
+            <a:picLocks noGrp="1" noChangeAspect="1"/>
+          </p:cNvPicPr>
           <p:nvPr>
             <p:ph idx="1"/>
           </p:nvPr>
-        </p:nvSpPr>
-        <p:spPr/>
-        <p:txBody>
-          <a:bodyPr>
-            <a:normAutofit/>
-          </a:bodyPr>
-          <a:lstStyle/>
-          <a:p>
-            <a:endParaRPr lang="en-IN" dirty="0"/>
-          </a:p>
-        </p:txBody>
-      </p:sp>
+        </p:nvPicPr>
+        <p:blipFill>
+          <a:blip r:embed="rId2"/>
+          <a:stretch>
+            <a:fillRect/>
+          </a:stretch>
+        </p:blipFill>
+        <p:spPr>
+          <a:xfrm>
+            <a:off x="677334" y="1488281"/>
+            <a:ext cx="8596668" cy="4835626"/>
+          </a:xfrm>
+        </p:spPr>
+      </p:pic>
     </p:spTree>
     <p:extLst>
       <p:ext uri="{BB962C8B-B14F-4D97-AF65-F5344CB8AC3E}">
-        <p14:creationId xmlns:p14="http://schemas.microsoft.com/office/powerpoint/2010/main" val="1505310595"/>
+        <p14:creationId xmlns:p14="http://schemas.microsoft.com/office/powerpoint/2010/main" val="1508982313"/>
       </p:ext>
     </p:extLst>
   </p:cSld>
@@ -12952,46 +12969,46 @@
           <a:lstStyle/>
           <a:p>
             <a:r>
-              <a:rPr lang="en-US" sz="3600" b="1" dirty="0">
-                <a:latin typeface="Times New Roman" panose="02020603050405020304" pitchFamily="18" charset="0"/>
-                <a:cs typeface="Times New Roman" panose="02020603050405020304" pitchFamily="18" charset="0"/>
-              </a:rPr>
-              <a:t>Testing For Prediction</a:t>
-            </a:r>
+              <a:rPr lang="en-US" dirty="0"/>
+              <a:t>Prediction Page</a:t>
+            </a:r>
+            <a:endParaRPr lang="en-IN" dirty="0"/>
           </a:p>
         </p:txBody>
       </p:sp>
-      <p:sp>
-        <p:nvSpPr>
-          <p:cNvPr id="3" name="Content Placeholder 2">
+      <p:pic>
+        <p:nvPicPr>
+          <p:cNvPr id="5" name="Content Placeholder 4">
             <a:extLst>
               <a:ext uri="{FF2B5EF4-FFF2-40B4-BE49-F238E27FC236}">
-                <a16:creationId xmlns:a16="http://schemas.microsoft.com/office/drawing/2014/main" id="{118A1944-C412-4D9E-BF6D-B5C5C26FBBB2}"/>
+                <a16:creationId xmlns:a16="http://schemas.microsoft.com/office/drawing/2014/main" id="{D88717ED-6DD5-48A4-8FC6-76CC40E26D50}"/>
               </a:ext>
             </a:extLst>
           </p:cNvPr>
-          <p:cNvSpPr>
-            <a:spLocks noGrp="1"/>
-          </p:cNvSpPr>
+          <p:cNvPicPr>
+            <a:picLocks noGrp="1" noChangeAspect="1"/>
+          </p:cNvPicPr>
           <p:nvPr>
             <p:ph idx="1"/>
           </p:nvPr>
-        </p:nvSpPr>
-        <p:spPr/>
-        <p:txBody>
-          <a:bodyPr>
-            <a:normAutofit/>
-          </a:bodyPr>
-          <a:lstStyle/>
-          <a:p>
-            <a:endParaRPr lang="en-IN" dirty="0"/>
-          </a:p>
-        </p:txBody>
-      </p:sp>
+        </p:nvPicPr>
+        <p:blipFill>
+          <a:blip r:embed="rId2"/>
+          <a:stretch>
+            <a:fillRect/>
+          </a:stretch>
+        </p:blipFill>
+        <p:spPr>
+          <a:xfrm>
+            <a:off x="677334" y="1488281"/>
+            <a:ext cx="8676216" cy="4880372"/>
+          </a:xfrm>
+        </p:spPr>
+      </p:pic>
     </p:spTree>
     <p:extLst>
       <p:ext uri="{BB962C8B-B14F-4D97-AF65-F5344CB8AC3E}">
-        <p14:creationId xmlns:p14="http://schemas.microsoft.com/office/powerpoint/2010/main" val="176333445"/>
+        <p14:creationId xmlns:p14="http://schemas.microsoft.com/office/powerpoint/2010/main" val="1192699669"/>
       </p:ext>
     </p:extLst>
   </p:cSld>
@@ -13040,46 +13057,46 @@
           <a:lstStyle/>
           <a:p>
             <a:r>
-              <a:rPr lang="en-US" sz="3600" b="1" dirty="0">
-                <a:latin typeface="Times New Roman" panose="02020603050405020304" pitchFamily="18" charset="0"/>
-                <a:cs typeface="Times New Roman" panose="02020603050405020304" pitchFamily="18" charset="0"/>
-              </a:rPr>
-              <a:t>Testing For profile</a:t>
-            </a:r>
+              <a:rPr lang="en-US" dirty="0"/>
+              <a:t>Prediction Page</a:t>
+            </a:r>
+            <a:endParaRPr lang="en-IN" dirty="0"/>
           </a:p>
         </p:txBody>
       </p:sp>
-      <p:sp>
-        <p:nvSpPr>
-          <p:cNvPr id="3" name="Content Placeholder 2">
+      <p:pic>
+        <p:nvPicPr>
+          <p:cNvPr id="5" name="Content Placeholder 4">
             <a:extLst>
               <a:ext uri="{FF2B5EF4-FFF2-40B4-BE49-F238E27FC236}">
-                <a16:creationId xmlns:a16="http://schemas.microsoft.com/office/drawing/2014/main" id="{118A1944-C412-4D9E-BF6D-B5C5C26FBBB2}"/>
+                <a16:creationId xmlns:a16="http://schemas.microsoft.com/office/drawing/2014/main" id="{0E233834-84DE-4C0A-A4FA-D5DAD4385B84}"/>
               </a:ext>
             </a:extLst>
           </p:cNvPr>
-          <p:cNvSpPr>
-            <a:spLocks noGrp="1"/>
-          </p:cNvSpPr>
+          <p:cNvPicPr>
+            <a:picLocks noGrp="1" noChangeAspect="1"/>
+          </p:cNvPicPr>
           <p:nvPr>
             <p:ph idx="1"/>
           </p:nvPr>
-        </p:nvSpPr>
-        <p:spPr/>
-        <p:txBody>
-          <a:bodyPr>
-            <a:normAutofit/>
-          </a:bodyPr>
-          <a:lstStyle/>
-          <a:p>
-            <a:endParaRPr lang="en-IN" dirty="0"/>
-          </a:p>
-        </p:txBody>
-      </p:sp>
+        </p:nvPicPr>
+        <p:blipFill>
+          <a:blip r:embed="rId2"/>
+          <a:stretch>
+            <a:fillRect/>
+          </a:stretch>
+        </p:blipFill>
+        <p:spPr>
+          <a:xfrm>
+            <a:off x="677334" y="1488281"/>
+            <a:ext cx="8596668" cy="4835626"/>
+          </a:xfrm>
+        </p:spPr>
+      </p:pic>
     </p:spTree>
     <p:extLst>
       <p:ext uri="{BB962C8B-B14F-4D97-AF65-F5344CB8AC3E}">
-        <p14:creationId xmlns:p14="http://schemas.microsoft.com/office/powerpoint/2010/main" val="2301739786"/>
+        <p14:creationId xmlns:p14="http://schemas.microsoft.com/office/powerpoint/2010/main" val="4214106883"/>
       </p:ext>
     </p:extLst>
   </p:cSld>
@@ -13090,6 +13107,93 @@
 </file>
 
 <file path=ppt/slides/slide38.xml><?xml version="1.0" encoding="utf-8"?>
+<p:sld xmlns:a="http://schemas.openxmlformats.org/drawingml/2006/main" xmlns:r="http://schemas.openxmlformats.org/officeDocument/2006/relationships" xmlns:p="http://schemas.openxmlformats.org/presentationml/2006/main">
+  <p:cSld>
+    <p:spTree>
+      <p:nvGrpSpPr>
+        <p:cNvPr id="1" name=""/>
+        <p:cNvGrpSpPr/>
+        <p:nvPr/>
+      </p:nvGrpSpPr>
+      <p:grpSpPr>
+        <a:xfrm>
+          <a:off x="0" y="0"/>
+          <a:ext cx="0" cy="0"/>
+          <a:chOff x="0" y="0"/>
+          <a:chExt cx="0" cy="0"/>
+        </a:xfrm>
+      </p:grpSpPr>
+      <p:sp>
+        <p:nvSpPr>
+          <p:cNvPr id="2" name="Title 1">
+            <a:extLst>
+              <a:ext uri="{FF2B5EF4-FFF2-40B4-BE49-F238E27FC236}">
+                <a16:creationId xmlns:a16="http://schemas.microsoft.com/office/drawing/2014/main" id="{D6AF07E2-2033-4F66-A61A-0671AA60DDEB}"/>
+              </a:ext>
+            </a:extLst>
+          </p:cNvPr>
+          <p:cNvSpPr>
+            <a:spLocks noGrp="1"/>
+          </p:cNvSpPr>
+          <p:nvPr>
+            <p:ph type="title"/>
+          </p:nvPr>
+        </p:nvSpPr>
+        <p:spPr/>
+        <p:txBody>
+          <a:bodyPr/>
+          <a:lstStyle/>
+          <a:p>
+            <a:r>
+              <a:rPr lang="en-US" sz="4000" b="1" dirty="0">
+                <a:latin typeface="Times New Roman" panose="02020603050405020304" pitchFamily="18" charset="0"/>
+                <a:cs typeface="Times New Roman" panose="02020603050405020304" pitchFamily="18" charset="0"/>
+              </a:rPr>
+              <a:t>Testing</a:t>
+            </a:r>
+            <a:endParaRPr lang="en-US" dirty="0"/>
+          </a:p>
+        </p:txBody>
+      </p:sp>
+      <p:sp>
+        <p:nvSpPr>
+          <p:cNvPr id="3" name="Text Placeholder 2">
+            <a:extLst>
+              <a:ext uri="{FF2B5EF4-FFF2-40B4-BE49-F238E27FC236}">
+                <a16:creationId xmlns:a16="http://schemas.microsoft.com/office/drawing/2014/main" id="{606413EA-31CC-401C-AA52-AB1B7F685215}"/>
+              </a:ext>
+            </a:extLst>
+          </p:cNvPr>
+          <p:cNvSpPr>
+            <a:spLocks noGrp="1"/>
+          </p:cNvSpPr>
+          <p:nvPr>
+            <p:ph type="body" idx="1"/>
+          </p:nvPr>
+        </p:nvSpPr>
+        <p:spPr/>
+        <p:txBody>
+          <a:bodyPr/>
+          <a:lstStyle/>
+          <a:p>
+            <a:endParaRPr lang="en-IN"/>
+          </a:p>
+        </p:txBody>
+      </p:sp>
+    </p:spTree>
+    <p:extLst>
+      <p:ext uri="{BB962C8B-B14F-4D97-AF65-F5344CB8AC3E}">
+        <p14:creationId xmlns:p14="http://schemas.microsoft.com/office/powerpoint/2010/main" val="2114717030"/>
+      </p:ext>
+    </p:extLst>
+  </p:cSld>
+  <p:clrMapOvr>
+    <a:masterClrMapping/>
+  </p:clrMapOvr>
+</p:sld>
+</file>
+
+<file path=ppt/slides/slide39.xml><?xml version="1.0" encoding="utf-8"?>
 <p:sld xmlns:a="http://schemas.openxmlformats.org/drawingml/2006/main" xmlns:r="http://schemas.openxmlformats.org/officeDocument/2006/relationships" xmlns:p="http://schemas.openxmlformats.org/presentationml/2006/main">
   <p:cSld>
     <p:spTree>
@@ -13132,125 +13236,629 @@
                 <a:latin typeface="Times New Roman" panose="02020603050405020304" pitchFamily="18" charset="0"/>
                 <a:cs typeface="Times New Roman" panose="02020603050405020304" pitchFamily="18" charset="0"/>
               </a:rPr>
-              <a:t>Testing For Change password</a:t>
-            </a:r>
+              <a:t>Testing For Validation</a:t>
+            </a:r>
+            <a:endParaRPr lang="en-IN" dirty="0"/>
           </a:p>
         </p:txBody>
       </p:sp>
-      <p:sp>
-        <p:nvSpPr>
-          <p:cNvPr id="3" name="Content Placeholder 2">
+      <p:graphicFrame>
+        <p:nvGraphicFramePr>
+          <p:cNvPr id="5" name="Table 4">
             <a:extLst>
               <a:ext uri="{FF2B5EF4-FFF2-40B4-BE49-F238E27FC236}">
-                <a16:creationId xmlns:a16="http://schemas.microsoft.com/office/drawing/2014/main" id="{118A1944-C412-4D9E-BF6D-B5C5C26FBBB2}"/>
+                <a16:creationId xmlns:a16="http://schemas.microsoft.com/office/drawing/2014/main" id="{5833A028-B938-4C84-9FE2-04FE2F2D2196}"/>
               </a:ext>
             </a:extLst>
           </p:cNvPr>
-          <p:cNvSpPr>
-            <a:spLocks noGrp="1"/>
-          </p:cNvSpPr>
+          <p:cNvGraphicFramePr>
+            <a:graphicFrameLocks noGrp="1"/>
+          </p:cNvGraphicFramePr>
           <p:nvPr>
-            <p:ph idx="1"/>
+            <p:extLst>
+              <p:ext uri="{D42A27DB-BD31-4B8C-83A1-F6EECF244321}">
+                <p14:modId xmlns:p14="http://schemas.microsoft.com/office/powerpoint/2010/main" val="960568635"/>
+              </p:ext>
+            </p:extLst>
           </p:nvPr>
-        </p:nvSpPr>
-        <p:spPr/>
-        <p:txBody>
-          <a:bodyPr>
-            <a:normAutofit/>
-          </a:bodyPr>
-          <a:lstStyle/>
-          <a:p>
-            <a:endParaRPr lang="en-IN" dirty="0"/>
-          </a:p>
-        </p:txBody>
-      </p:sp>
+        </p:nvGraphicFramePr>
+        <p:xfrm>
+          <a:off x="677336" y="1930400"/>
+          <a:ext cx="8596666" cy="3092410"/>
+        </p:xfrm>
+        <a:graphic>
+          <a:graphicData uri="http://schemas.openxmlformats.org/drawingml/2006/table">
+            <a:tbl>
+              <a:tblPr>
+                <a:tableStyleId>{3B4B98B0-60AC-42C2-AFA5-B58CD77FA1E5}</a:tableStyleId>
+              </a:tblPr>
+              <a:tblGrid>
+                <a:gridCol w="988850">
+                  <a:extLst>
+                    <a:ext uri="{9D8B030D-6E8A-4147-A177-3AD203B41FA5}">
+                      <a16:colId xmlns:a16="http://schemas.microsoft.com/office/drawing/2014/main" val="2295720688"/>
+                    </a:ext>
+                  </a:extLst>
+                </a:gridCol>
+                <a:gridCol w="3105263">
+                  <a:extLst>
+                    <a:ext uri="{9D8B030D-6E8A-4147-A177-3AD203B41FA5}">
+                      <a16:colId xmlns:a16="http://schemas.microsoft.com/office/drawing/2014/main" val="497753045"/>
+                    </a:ext>
+                  </a:extLst>
+                </a:gridCol>
+                <a:gridCol w="2577054">
+                  <a:extLst>
+                    <a:ext uri="{9D8B030D-6E8A-4147-A177-3AD203B41FA5}">
+                      <a16:colId xmlns:a16="http://schemas.microsoft.com/office/drawing/2014/main" val="207157005"/>
+                    </a:ext>
+                  </a:extLst>
+                </a:gridCol>
+                <a:gridCol w="1925499">
+                  <a:extLst>
+                    <a:ext uri="{9D8B030D-6E8A-4147-A177-3AD203B41FA5}">
+                      <a16:colId xmlns:a16="http://schemas.microsoft.com/office/drawing/2014/main" val="1014414919"/>
+                    </a:ext>
+                  </a:extLst>
+                </a:gridCol>
+              </a:tblGrid>
+              <a:tr h="1073423">
+                <a:tc>
+                  <a:txBody>
+                    <a:bodyPr/>
+                    <a:lstStyle/>
+                    <a:p>
+                      <a:pPr algn="ctr" fontAlgn="b"/>
+                      <a:r>
+                        <a:rPr lang="en-US" sz="1800" u="sng" strike="noStrike" dirty="0" err="1">
+                          <a:solidFill>
+                            <a:schemeClr val="tx1"/>
+                          </a:solidFill>
+                          <a:effectLst/>
+                        </a:rPr>
+                        <a:t>Sr.No</a:t>
+                      </a:r>
+                      <a:endParaRPr lang="en-US" sz="1800" b="1" i="0" u="sng" strike="noStrike" dirty="0">
+                        <a:solidFill>
+                          <a:schemeClr val="tx1"/>
+                        </a:solidFill>
+                        <a:effectLst/>
+                        <a:latin typeface="Times New Roman" panose="02020603050405020304" pitchFamily="18" charset="0"/>
+                        <a:cs typeface="Times New Roman" panose="02020603050405020304" pitchFamily="18" charset="0"/>
+                      </a:endParaRPr>
+                    </a:p>
+                  </a:txBody>
+                  <a:tcPr marL="9525" marR="9525" marT="9525" marB="0" anchor="ctr"/>
+                </a:tc>
+                <a:tc>
+                  <a:txBody>
+                    <a:bodyPr/>
+                    <a:lstStyle/>
+                    <a:p>
+                      <a:pPr algn="ctr" fontAlgn="b"/>
+                      <a:r>
+                        <a:rPr lang="en-US" sz="1800" b="0" u="sng" strike="noStrike" dirty="0">
+                          <a:solidFill>
+                            <a:schemeClr val="tx1"/>
+                          </a:solidFill>
+                          <a:effectLst/>
+                        </a:rPr>
+                        <a:t>Validation</a:t>
+                      </a:r>
+                      <a:r>
+                        <a:rPr lang="en-US" sz="1800" b="0" u="sng" strike="noStrike" baseline="0" dirty="0">
+                          <a:solidFill>
+                            <a:schemeClr val="tx1"/>
+                          </a:solidFill>
+                          <a:effectLst/>
+                        </a:rPr>
+                        <a:t> Checking </a:t>
+                      </a:r>
+                      <a:endParaRPr lang="en-US" sz="1800" b="1" i="0" u="sng" strike="noStrike" dirty="0">
+                        <a:solidFill>
+                          <a:schemeClr val="tx1"/>
+                        </a:solidFill>
+                        <a:effectLst/>
+                        <a:latin typeface="Times New Roman" panose="02020603050405020304" pitchFamily="18" charset="0"/>
+                        <a:cs typeface="Times New Roman" panose="02020603050405020304" pitchFamily="18" charset="0"/>
+                      </a:endParaRPr>
+                    </a:p>
+                  </a:txBody>
+                  <a:tcPr marL="9525" marR="9525" marT="9525" marB="0" anchor="ctr"/>
+                </a:tc>
+                <a:tc>
+                  <a:txBody>
+                    <a:bodyPr/>
+                    <a:lstStyle/>
+                    <a:p>
+                      <a:pPr algn="ctr" fontAlgn="b"/>
+                      <a:r>
+                        <a:rPr lang="en-US" sz="1800" u="sng" strike="noStrike" dirty="0">
+                          <a:solidFill>
+                            <a:schemeClr val="tx1"/>
+                          </a:solidFill>
+                          <a:effectLst/>
+                        </a:rPr>
+                        <a:t>Excepted Result</a:t>
+                      </a:r>
+                      <a:endParaRPr lang="en-US" sz="1800" b="1" i="0" u="sng" strike="noStrike" dirty="0">
+                        <a:solidFill>
+                          <a:schemeClr val="tx1"/>
+                        </a:solidFill>
+                        <a:effectLst/>
+                        <a:latin typeface="Times New Roman" panose="02020603050405020304" pitchFamily="18" charset="0"/>
+                        <a:cs typeface="Times New Roman" panose="02020603050405020304" pitchFamily="18" charset="0"/>
+                      </a:endParaRPr>
+                    </a:p>
+                  </a:txBody>
+                  <a:tcPr marL="9525" marR="9525" marT="9525" marB="0" anchor="ctr"/>
+                </a:tc>
+                <a:tc>
+                  <a:txBody>
+                    <a:bodyPr/>
+                    <a:lstStyle/>
+                    <a:p>
+                      <a:pPr algn="ctr" fontAlgn="b"/>
+                      <a:r>
+                        <a:rPr lang="en-US" sz="1800" u="sng" strike="noStrike" dirty="0">
+                          <a:solidFill>
+                            <a:schemeClr val="tx1"/>
+                          </a:solidFill>
+                          <a:effectLst/>
+                        </a:rPr>
+                        <a:t>Test Result</a:t>
+                      </a:r>
+                      <a:endParaRPr lang="en-US" sz="1800" b="1" i="0" u="sng" strike="noStrike" dirty="0">
+                        <a:solidFill>
+                          <a:schemeClr val="tx1"/>
+                        </a:solidFill>
+                        <a:effectLst/>
+                        <a:latin typeface="Times New Roman" panose="02020603050405020304" pitchFamily="18" charset="0"/>
+                        <a:cs typeface="Times New Roman" panose="02020603050405020304" pitchFamily="18" charset="0"/>
+                      </a:endParaRPr>
+                    </a:p>
+                  </a:txBody>
+                  <a:tcPr marL="9525" marR="9525" marT="9525" marB="0" anchor="ctr"/>
+                </a:tc>
+                <a:extLst>
+                  <a:ext uri="{0D108BD9-81ED-4DB2-BD59-A6C34878D82A}">
+                    <a16:rowId xmlns:a16="http://schemas.microsoft.com/office/drawing/2014/main" val="1617694472"/>
+                  </a:ext>
+                </a:extLst>
+              </a:tr>
+              <a:tr h="645965">
+                <a:tc>
+                  <a:txBody>
+                    <a:bodyPr/>
+                    <a:lstStyle/>
+                    <a:p>
+                      <a:pPr algn="ctr" fontAlgn="b"/>
+                      <a:r>
+                        <a:rPr lang="en-US" sz="1800" u="none" strike="noStrike" dirty="0">
+                          <a:solidFill>
+                            <a:schemeClr val="tx1"/>
+                          </a:solidFill>
+                          <a:effectLst/>
+                        </a:rPr>
+                        <a:t>1</a:t>
+                      </a:r>
+                      <a:endParaRPr lang="en-US" sz="1800" b="0" i="0" u="none" strike="noStrike" dirty="0">
+                        <a:solidFill>
+                          <a:schemeClr val="tx1"/>
+                        </a:solidFill>
+                        <a:effectLst/>
+                        <a:latin typeface="Times New Roman" panose="02020603050405020304" pitchFamily="18" charset="0"/>
+                        <a:cs typeface="Times New Roman" panose="02020603050405020304" pitchFamily="18" charset="0"/>
+                      </a:endParaRPr>
+                    </a:p>
+                  </a:txBody>
+                  <a:tcPr marL="9525" marR="9525" marT="9525" marB="0" anchor="b"/>
+                </a:tc>
+                <a:tc>
+                  <a:txBody>
+                    <a:bodyPr/>
+                    <a:lstStyle/>
+                    <a:p>
+                      <a:pPr algn="ctr" fontAlgn="b"/>
+                      <a:r>
+                        <a:rPr lang="en-US" sz="1800" b="0" u="none" strike="noStrike" dirty="0" err="1">
+                          <a:solidFill>
+                            <a:schemeClr val="tx1"/>
+                          </a:solidFill>
+                          <a:effectLst/>
+                        </a:rPr>
+                        <a:t>Usename</a:t>
+                      </a:r>
+                      <a:endParaRPr lang="en-US" sz="1800" b="0" i="0" u="none" strike="noStrike" dirty="0">
+                        <a:solidFill>
+                          <a:schemeClr val="tx1"/>
+                        </a:solidFill>
+                        <a:effectLst/>
+                        <a:latin typeface="Times New Roman" panose="02020603050405020304" pitchFamily="18" charset="0"/>
+                        <a:cs typeface="Times New Roman" panose="02020603050405020304" pitchFamily="18" charset="0"/>
+                      </a:endParaRPr>
+                    </a:p>
+                  </a:txBody>
+                  <a:tcPr marL="9525" marR="9525" marT="9525" marB="0" anchor="b"/>
+                </a:tc>
+                <a:tc>
+                  <a:txBody>
+                    <a:bodyPr/>
+                    <a:lstStyle/>
+                    <a:p>
+                      <a:pPr algn="ctr" fontAlgn="b"/>
+                      <a:r>
+                        <a:rPr lang="en-US" sz="1800" b="0" u="none" strike="noStrike" dirty="0">
+                          <a:solidFill>
+                            <a:schemeClr val="tx1"/>
+                          </a:solidFill>
+                          <a:effectLst/>
+                        </a:rPr>
+                        <a:t>Not Null and Unique</a:t>
+                      </a:r>
+                      <a:endParaRPr lang="en-US" sz="1800" b="0" i="0" u="none" strike="noStrike" dirty="0">
+                        <a:solidFill>
+                          <a:schemeClr val="tx1"/>
+                        </a:solidFill>
+                        <a:effectLst/>
+                        <a:latin typeface="Times New Roman" panose="02020603050405020304" pitchFamily="18" charset="0"/>
+                        <a:cs typeface="Times New Roman" panose="02020603050405020304" pitchFamily="18" charset="0"/>
+                      </a:endParaRPr>
+                    </a:p>
+                  </a:txBody>
+                  <a:tcPr marL="9525" marR="9525" marT="9525" marB="0" anchor="b"/>
+                </a:tc>
+                <a:tc>
+                  <a:txBody>
+                    <a:bodyPr/>
+                    <a:lstStyle/>
+                    <a:p>
+                      <a:pPr marL="0" marR="0" indent="0" algn="ctr" defTabSz="457200" rtl="0" eaLnBrk="1" fontAlgn="b" latinLnBrk="0" hangingPunct="1">
+                        <a:lnSpc>
+                          <a:spcPct val="100000"/>
+                        </a:lnSpc>
+                        <a:spcBef>
+                          <a:spcPts val="0"/>
+                        </a:spcBef>
+                        <a:spcAft>
+                          <a:spcPts val="0"/>
+                        </a:spcAft>
+                        <a:buClrTx/>
+                        <a:buSzTx/>
+                        <a:buFontTx/>
+                        <a:buNone/>
+                        <a:tabLst/>
+                        <a:defRPr/>
+                      </a:pPr>
+                      <a:r>
+                        <a:rPr lang="en-US" sz="1800" b="0" u="none" strike="noStrike" dirty="0">
+                          <a:solidFill>
+                            <a:schemeClr val="tx1"/>
+                          </a:solidFill>
+                          <a:effectLst/>
+                        </a:rPr>
+                        <a:t>Pass</a:t>
+                      </a:r>
+                      <a:endParaRPr lang="en-US" sz="1800" b="0" i="0" u="none" strike="noStrike" dirty="0">
+                        <a:solidFill>
+                          <a:schemeClr val="tx1"/>
+                        </a:solidFill>
+                        <a:effectLst/>
+                        <a:latin typeface="Times New Roman" panose="02020603050405020304" pitchFamily="18" charset="0"/>
+                        <a:cs typeface="Times New Roman" panose="02020603050405020304" pitchFamily="18" charset="0"/>
+                      </a:endParaRPr>
+                    </a:p>
+                  </a:txBody>
+                  <a:tcPr marL="9525" marR="9525" marT="9525" marB="0" anchor="b"/>
+                </a:tc>
+                <a:extLst>
+                  <a:ext uri="{0D108BD9-81ED-4DB2-BD59-A6C34878D82A}">
+                    <a16:rowId xmlns:a16="http://schemas.microsoft.com/office/drawing/2014/main" val="980526683"/>
+                  </a:ext>
+                </a:extLst>
+              </a:tr>
+              <a:tr h="727057">
+                <a:tc>
+                  <a:txBody>
+                    <a:bodyPr/>
+                    <a:lstStyle/>
+                    <a:p>
+                      <a:pPr algn="ctr" fontAlgn="b"/>
+                      <a:r>
+                        <a:rPr lang="en-US" sz="1800" b="0" u="none" strike="noStrike" dirty="0">
+                          <a:solidFill>
+                            <a:schemeClr val="tx1"/>
+                          </a:solidFill>
+                          <a:effectLst/>
+                        </a:rPr>
+                        <a:t>2</a:t>
+                      </a:r>
+                      <a:endParaRPr lang="en-US" sz="1800" b="0" i="0" u="none" strike="noStrike" dirty="0">
+                        <a:solidFill>
+                          <a:schemeClr val="tx1"/>
+                        </a:solidFill>
+                        <a:effectLst/>
+                        <a:latin typeface="Times New Roman" panose="02020603050405020304" pitchFamily="18" charset="0"/>
+                        <a:cs typeface="Times New Roman" panose="02020603050405020304" pitchFamily="18" charset="0"/>
+                      </a:endParaRPr>
+                    </a:p>
+                  </a:txBody>
+                  <a:tcPr marL="9525" marR="9525" marT="9525" marB="0" anchor="b"/>
+                </a:tc>
+                <a:tc>
+                  <a:txBody>
+                    <a:bodyPr/>
+                    <a:lstStyle/>
+                    <a:p>
+                      <a:pPr marL="0" marR="0" indent="0" algn="ctr" defTabSz="1218987" rtl="0" eaLnBrk="1" fontAlgn="b" latinLnBrk="0" hangingPunct="1">
+                        <a:lnSpc>
+                          <a:spcPct val="100000"/>
+                        </a:lnSpc>
+                        <a:spcBef>
+                          <a:spcPts val="0"/>
+                        </a:spcBef>
+                        <a:spcAft>
+                          <a:spcPts val="0"/>
+                        </a:spcAft>
+                        <a:buClrTx/>
+                        <a:buSzTx/>
+                        <a:buFontTx/>
+                        <a:buNone/>
+                        <a:tabLst/>
+                        <a:defRPr/>
+                      </a:pPr>
+                      <a:r>
+                        <a:rPr lang="en-US" sz="1800" b="0" u="none" strike="noStrike" dirty="0">
+                          <a:solidFill>
+                            <a:schemeClr val="tx1"/>
+                          </a:solidFill>
+                          <a:effectLst/>
+                        </a:rPr>
+                        <a:t>Password</a:t>
+                      </a:r>
+                      <a:endParaRPr lang="en-US" sz="1800" b="0" i="0" u="none" strike="noStrike" dirty="0">
+                        <a:solidFill>
+                          <a:schemeClr val="tx1"/>
+                        </a:solidFill>
+                        <a:effectLst/>
+                        <a:latin typeface="Times New Roman" panose="02020603050405020304" pitchFamily="18" charset="0"/>
+                        <a:cs typeface="Times New Roman" panose="02020603050405020304" pitchFamily="18" charset="0"/>
+                      </a:endParaRPr>
+                    </a:p>
+                  </a:txBody>
+                  <a:tcPr marL="9525" marR="9525" marT="9525" marB="0" anchor="b"/>
+                </a:tc>
+                <a:tc>
+                  <a:txBody>
+                    <a:bodyPr/>
+                    <a:lstStyle/>
+                    <a:p>
+                      <a:pPr algn="ctr" fontAlgn="b"/>
+                      <a:r>
+                        <a:rPr lang="en-US" sz="1800" b="0" u="none" strike="noStrike" dirty="0">
+                          <a:solidFill>
+                            <a:schemeClr val="tx1"/>
+                          </a:solidFill>
+                          <a:effectLst/>
+                        </a:rPr>
+                        <a:t>Not null</a:t>
+                      </a:r>
+                      <a:endParaRPr lang="en-US" sz="1800" b="0" i="0" u="none" strike="noStrike" dirty="0">
+                        <a:solidFill>
+                          <a:schemeClr val="tx1"/>
+                        </a:solidFill>
+                        <a:effectLst/>
+                        <a:latin typeface="Times New Roman" panose="02020603050405020304" pitchFamily="18" charset="0"/>
+                        <a:cs typeface="Times New Roman" panose="02020603050405020304" pitchFamily="18" charset="0"/>
+                      </a:endParaRPr>
+                    </a:p>
+                  </a:txBody>
+                  <a:tcPr marL="9525" marR="9525" marT="9525" marB="0" anchor="b"/>
+                </a:tc>
+                <a:tc>
+                  <a:txBody>
+                    <a:bodyPr/>
+                    <a:lstStyle/>
+                    <a:p>
+                      <a:pPr marL="0" marR="0" indent="0" algn="ctr" defTabSz="457200" rtl="0" eaLnBrk="1" fontAlgn="b" latinLnBrk="0" hangingPunct="1">
+                        <a:lnSpc>
+                          <a:spcPct val="100000"/>
+                        </a:lnSpc>
+                        <a:spcBef>
+                          <a:spcPts val="0"/>
+                        </a:spcBef>
+                        <a:spcAft>
+                          <a:spcPts val="0"/>
+                        </a:spcAft>
+                        <a:buClrTx/>
+                        <a:buSzTx/>
+                        <a:buFontTx/>
+                        <a:buNone/>
+                        <a:tabLst/>
+                        <a:defRPr/>
+                      </a:pPr>
+                      <a:r>
+                        <a:rPr lang="en-US" sz="1800" b="0" u="none" strike="noStrike" dirty="0">
+                          <a:solidFill>
+                            <a:schemeClr val="tx1"/>
+                          </a:solidFill>
+                          <a:effectLst/>
+                        </a:rPr>
+                        <a:t>Pass</a:t>
+                      </a:r>
+                      <a:endParaRPr lang="en-US" sz="1800" b="0" i="0" u="none" strike="noStrike" dirty="0">
+                        <a:solidFill>
+                          <a:schemeClr val="tx1"/>
+                        </a:solidFill>
+                        <a:effectLst/>
+                        <a:latin typeface="Times New Roman" panose="02020603050405020304" pitchFamily="18" charset="0"/>
+                        <a:cs typeface="Times New Roman" panose="02020603050405020304" pitchFamily="18" charset="0"/>
+                      </a:endParaRPr>
+                    </a:p>
+                  </a:txBody>
+                  <a:tcPr marL="9525" marR="9525" marT="9525" marB="0" anchor="b"/>
+                </a:tc>
+                <a:extLst>
+                  <a:ext uri="{0D108BD9-81ED-4DB2-BD59-A6C34878D82A}">
+                    <a16:rowId xmlns:a16="http://schemas.microsoft.com/office/drawing/2014/main" val="104832101"/>
+                  </a:ext>
+                </a:extLst>
+              </a:tr>
+              <a:tr h="645965">
+                <a:tc>
+                  <a:txBody>
+                    <a:bodyPr/>
+                    <a:lstStyle/>
+                    <a:p>
+                      <a:pPr algn="ctr" fontAlgn="b"/>
+                      <a:r>
+                        <a:rPr lang="en-US" sz="1800" b="0" u="none" strike="noStrike" dirty="0">
+                          <a:solidFill>
+                            <a:schemeClr val="tx1"/>
+                          </a:solidFill>
+                          <a:effectLst/>
+                        </a:rPr>
+                        <a:t>3</a:t>
+                      </a:r>
+                      <a:endParaRPr lang="en-US" sz="1800" b="0" i="0" u="none" strike="noStrike" dirty="0">
+                        <a:solidFill>
+                          <a:schemeClr val="tx1"/>
+                        </a:solidFill>
+                        <a:effectLst/>
+                        <a:latin typeface="Times New Roman" panose="02020603050405020304" pitchFamily="18" charset="0"/>
+                        <a:cs typeface="Times New Roman" panose="02020603050405020304" pitchFamily="18" charset="0"/>
+                      </a:endParaRPr>
+                    </a:p>
+                  </a:txBody>
+                  <a:tcPr marL="9525" marR="9525" marT="9525" marB="0" anchor="b"/>
+                </a:tc>
+                <a:tc>
+                  <a:txBody>
+                    <a:bodyPr/>
+                    <a:lstStyle/>
+                    <a:p>
+                      <a:pPr marL="0" marR="0" indent="0" algn="ctr" defTabSz="1218987" rtl="0" eaLnBrk="1" fontAlgn="b" latinLnBrk="0" hangingPunct="1">
+                        <a:lnSpc>
+                          <a:spcPct val="100000"/>
+                        </a:lnSpc>
+                        <a:spcBef>
+                          <a:spcPts val="0"/>
+                        </a:spcBef>
+                        <a:spcAft>
+                          <a:spcPts val="0"/>
+                        </a:spcAft>
+                        <a:buClrTx/>
+                        <a:buSzTx/>
+                        <a:buFontTx/>
+                        <a:buNone/>
+                        <a:tabLst/>
+                        <a:defRPr/>
+                      </a:pPr>
+                      <a:r>
+                        <a:rPr lang="en-US" sz="1800" b="0" u="none" strike="noStrike" dirty="0">
+                          <a:solidFill>
+                            <a:schemeClr val="tx1"/>
+                          </a:solidFill>
+                          <a:effectLst/>
+                        </a:rPr>
+                        <a:t>Confirm Password</a:t>
+                      </a:r>
+                      <a:endParaRPr lang="en-US" sz="1800" b="0" i="0" u="none" strike="noStrike" dirty="0">
+                        <a:solidFill>
+                          <a:schemeClr val="tx1"/>
+                        </a:solidFill>
+                        <a:effectLst/>
+                        <a:latin typeface="Times New Roman" panose="02020603050405020304" pitchFamily="18" charset="0"/>
+                        <a:cs typeface="Times New Roman" panose="02020603050405020304" pitchFamily="18" charset="0"/>
+                      </a:endParaRPr>
+                    </a:p>
+                  </a:txBody>
+                  <a:tcPr marL="9525" marR="9525" marT="9525" marB="0" anchor="b"/>
+                </a:tc>
+                <a:tc>
+                  <a:txBody>
+                    <a:bodyPr/>
+                    <a:lstStyle/>
+                    <a:p>
+                      <a:pPr algn="ctr" fontAlgn="b"/>
+                      <a:r>
+                        <a:rPr lang="en-US" sz="1800" b="0" u="none" strike="noStrike" dirty="0">
+                          <a:solidFill>
+                            <a:schemeClr val="tx1"/>
+                          </a:solidFill>
+                          <a:effectLst/>
+                        </a:rPr>
+                        <a:t>Not null</a:t>
+                      </a:r>
+                      <a:endParaRPr lang="en-US" sz="1800" b="0" i="0" u="none" strike="noStrike" dirty="0">
+                        <a:solidFill>
+                          <a:schemeClr val="tx1"/>
+                        </a:solidFill>
+                        <a:effectLst/>
+                        <a:latin typeface="Times New Roman" panose="02020603050405020304" pitchFamily="18" charset="0"/>
+                        <a:cs typeface="Times New Roman" panose="02020603050405020304" pitchFamily="18" charset="0"/>
+                      </a:endParaRPr>
+                    </a:p>
+                  </a:txBody>
+                  <a:tcPr marL="9525" marR="9525" marT="9525" marB="0" anchor="b"/>
+                </a:tc>
+                <a:tc>
+                  <a:txBody>
+                    <a:bodyPr/>
+                    <a:lstStyle/>
+                    <a:p>
+                      <a:pPr marL="0" marR="0" indent="0" algn="ctr" defTabSz="457200" rtl="0" eaLnBrk="1" fontAlgn="b" latinLnBrk="0" hangingPunct="1">
+                        <a:lnSpc>
+                          <a:spcPct val="100000"/>
+                        </a:lnSpc>
+                        <a:spcBef>
+                          <a:spcPts val="0"/>
+                        </a:spcBef>
+                        <a:spcAft>
+                          <a:spcPts val="0"/>
+                        </a:spcAft>
+                        <a:buClrTx/>
+                        <a:buSzTx/>
+                        <a:buFontTx/>
+                        <a:buNone/>
+                        <a:tabLst/>
+                        <a:defRPr/>
+                      </a:pPr>
+                      <a:r>
+                        <a:rPr lang="en-US" sz="1800" b="0" u="none" strike="noStrike" dirty="0">
+                          <a:solidFill>
+                            <a:schemeClr val="tx1"/>
+                          </a:solidFill>
+                          <a:effectLst/>
+                        </a:rPr>
+                        <a:t>Pass</a:t>
+                      </a:r>
+                      <a:endParaRPr lang="en-US" sz="1800" b="0" i="0" u="none" strike="noStrike" dirty="0">
+                        <a:solidFill>
+                          <a:schemeClr val="tx1"/>
+                        </a:solidFill>
+                        <a:effectLst/>
+                        <a:latin typeface="Times New Roman" panose="02020603050405020304" pitchFamily="18" charset="0"/>
+                        <a:cs typeface="Times New Roman" panose="02020603050405020304" pitchFamily="18" charset="0"/>
+                      </a:endParaRPr>
+                    </a:p>
+                  </a:txBody>
+                  <a:tcPr marL="9525" marR="9525" marT="9525" marB="0" anchor="b"/>
+                </a:tc>
+                <a:extLst>
+                  <a:ext uri="{0D108BD9-81ED-4DB2-BD59-A6C34878D82A}">
+                    <a16:rowId xmlns:a16="http://schemas.microsoft.com/office/drawing/2014/main" val="2119600730"/>
+                  </a:ext>
+                </a:extLst>
+              </a:tr>
+            </a:tbl>
+          </a:graphicData>
+        </a:graphic>
+      </p:graphicFrame>
     </p:spTree>
     <p:extLst>
       <p:ext uri="{BB962C8B-B14F-4D97-AF65-F5344CB8AC3E}">
-        <p14:creationId xmlns:p14="http://schemas.microsoft.com/office/powerpoint/2010/main" val="106264494"/>
-      </p:ext>
-    </p:extLst>
-  </p:cSld>
-  <p:clrMapOvr>
-    <a:masterClrMapping/>
-  </p:clrMapOvr>
-</p:sld>
-</file>
-
-<file path=ppt/slides/slide39.xml><?xml version="1.0" encoding="utf-8"?>
-<p:sld xmlns:a="http://schemas.openxmlformats.org/drawingml/2006/main" xmlns:r="http://schemas.openxmlformats.org/officeDocument/2006/relationships" xmlns:p="http://schemas.openxmlformats.org/presentationml/2006/main">
-  <p:cSld>
-    <p:spTree>
-      <p:nvGrpSpPr>
-        <p:cNvPr id="1" name=""/>
-        <p:cNvGrpSpPr/>
-        <p:nvPr/>
-      </p:nvGrpSpPr>
-      <p:grpSpPr>
-        <a:xfrm>
-          <a:off x="0" y="0"/>
-          <a:ext cx="0" cy="0"/>
-          <a:chOff x="0" y="0"/>
-          <a:chExt cx="0" cy="0"/>
-        </a:xfrm>
-      </p:grpSpPr>
-      <p:sp>
-        <p:nvSpPr>
-          <p:cNvPr id="2" name="Title 1">
-            <a:extLst>
-              <a:ext uri="{FF2B5EF4-FFF2-40B4-BE49-F238E27FC236}">
-                <a16:creationId xmlns:a16="http://schemas.microsoft.com/office/drawing/2014/main" id="{D6AF07E2-2033-4F66-A61A-0671AA60DDEB}"/>
-              </a:ext>
-            </a:extLst>
-          </p:cNvPr>
-          <p:cNvSpPr>
-            <a:spLocks noGrp="1"/>
-          </p:cNvSpPr>
-          <p:nvPr>
-            <p:ph type="title"/>
-          </p:nvPr>
-        </p:nvSpPr>
-        <p:spPr/>
-        <p:txBody>
-          <a:bodyPr/>
-          <a:lstStyle/>
-          <a:p>
-            <a:r>
-              <a:rPr lang="en-US" dirty="0"/>
-              <a:t>Future Enhancement </a:t>
-            </a:r>
-          </a:p>
-        </p:txBody>
-      </p:sp>
-      <p:sp>
-        <p:nvSpPr>
-          <p:cNvPr id="3" name="Text Placeholder 2">
-            <a:extLst>
-              <a:ext uri="{FF2B5EF4-FFF2-40B4-BE49-F238E27FC236}">
-                <a16:creationId xmlns:a16="http://schemas.microsoft.com/office/drawing/2014/main" id="{606413EA-31CC-401C-AA52-AB1B7F685215}"/>
-              </a:ext>
-            </a:extLst>
-          </p:cNvPr>
-          <p:cNvSpPr>
-            <a:spLocks noGrp="1"/>
-          </p:cNvSpPr>
-          <p:nvPr>
-            <p:ph type="body" idx="1"/>
-          </p:nvPr>
-        </p:nvSpPr>
-        <p:spPr/>
-        <p:txBody>
-          <a:bodyPr/>
-          <a:lstStyle/>
-          <a:p>
-            <a:endParaRPr lang="en-IN" dirty="0"/>
-          </a:p>
-        </p:txBody>
-      </p:sp>
-    </p:spTree>
-    <p:extLst>
-      <p:ext uri="{BB962C8B-B14F-4D97-AF65-F5344CB8AC3E}">
-        <p14:creationId xmlns:p14="http://schemas.microsoft.com/office/powerpoint/2010/main" val="2060414421"/>
+        <p14:creationId xmlns:p14="http://schemas.microsoft.com/office/powerpoint/2010/main" val="1939143004"/>
       </p:ext>
     </p:extLst>
   </p:cSld>
@@ -13382,44 +13990,338 @@
           <a:lstStyle/>
           <a:p>
             <a:r>
-              <a:rPr lang="en-US" dirty="0"/>
-              <a:t>Future Enhancement </a:t>
-            </a:r>
-            <a:endParaRPr lang="en-IN" dirty="0"/>
+              <a:rPr lang="en-US" sz="3600" b="1" dirty="0">
+                <a:latin typeface="Times New Roman" panose="02020603050405020304" pitchFamily="18" charset="0"/>
+                <a:cs typeface="Times New Roman" panose="02020603050405020304" pitchFamily="18" charset="0"/>
+              </a:rPr>
+              <a:t>Testing For Watchlist</a:t>
+            </a:r>
           </a:p>
         </p:txBody>
       </p:sp>
-      <p:sp>
-        <p:nvSpPr>
-          <p:cNvPr id="3" name="Content Placeholder 2">
+      <p:graphicFrame>
+        <p:nvGraphicFramePr>
+          <p:cNvPr id="4" name="Table 3">
             <a:extLst>
               <a:ext uri="{FF2B5EF4-FFF2-40B4-BE49-F238E27FC236}">
-                <a16:creationId xmlns:a16="http://schemas.microsoft.com/office/drawing/2014/main" id="{118A1944-C412-4D9E-BF6D-B5C5C26FBBB2}"/>
+                <a16:creationId xmlns:a16="http://schemas.microsoft.com/office/drawing/2014/main" id="{E6F3C831-7FE3-472F-9034-D2CF2790D465}"/>
               </a:ext>
             </a:extLst>
           </p:cNvPr>
-          <p:cNvSpPr>
-            <a:spLocks noGrp="1"/>
-          </p:cNvSpPr>
+          <p:cNvGraphicFramePr>
+            <a:graphicFrameLocks noGrp="1"/>
+          </p:cNvGraphicFramePr>
           <p:nvPr>
-            <p:ph idx="1"/>
+            <p:extLst>
+              <p:ext uri="{D42A27DB-BD31-4B8C-83A1-F6EECF244321}">
+                <p14:modId xmlns:p14="http://schemas.microsoft.com/office/powerpoint/2010/main" val="9280418"/>
+              </p:ext>
+            </p:extLst>
           </p:nvPr>
-        </p:nvSpPr>
-        <p:spPr/>
-        <p:txBody>
-          <a:bodyPr>
-            <a:normAutofit/>
-          </a:bodyPr>
-          <a:lstStyle/>
-          <a:p>
-            <a:endParaRPr lang="en-IN" dirty="0"/>
-          </a:p>
-        </p:txBody>
-      </p:sp>
+        </p:nvGraphicFramePr>
+        <p:xfrm>
+          <a:off x="677336" y="1930400"/>
+          <a:ext cx="8596666" cy="1719388"/>
+        </p:xfrm>
+        <a:graphic>
+          <a:graphicData uri="http://schemas.openxmlformats.org/drawingml/2006/table">
+            <a:tbl>
+              <a:tblPr>
+                <a:tableStyleId>{3B4B98B0-60AC-42C2-AFA5-B58CD77FA1E5}</a:tableStyleId>
+              </a:tblPr>
+              <a:tblGrid>
+                <a:gridCol w="988850">
+                  <a:extLst>
+                    <a:ext uri="{9D8B030D-6E8A-4147-A177-3AD203B41FA5}">
+                      <a16:colId xmlns:a16="http://schemas.microsoft.com/office/drawing/2014/main" val="2295720688"/>
+                    </a:ext>
+                  </a:extLst>
+                </a:gridCol>
+                <a:gridCol w="3105263">
+                  <a:extLst>
+                    <a:ext uri="{9D8B030D-6E8A-4147-A177-3AD203B41FA5}">
+                      <a16:colId xmlns:a16="http://schemas.microsoft.com/office/drawing/2014/main" val="497753045"/>
+                    </a:ext>
+                  </a:extLst>
+                </a:gridCol>
+                <a:gridCol w="2577054">
+                  <a:extLst>
+                    <a:ext uri="{9D8B030D-6E8A-4147-A177-3AD203B41FA5}">
+                      <a16:colId xmlns:a16="http://schemas.microsoft.com/office/drawing/2014/main" val="207157005"/>
+                    </a:ext>
+                  </a:extLst>
+                </a:gridCol>
+                <a:gridCol w="1925499">
+                  <a:extLst>
+                    <a:ext uri="{9D8B030D-6E8A-4147-A177-3AD203B41FA5}">
+                      <a16:colId xmlns:a16="http://schemas.microsoft.com/office/drawing/2014/main" val="1014414919"/>
+                    </a:ext>
+                  </a:extLst>
+                </a:gridCol>
+              </a:tblGrid>
+              <a:tr h="1073423">
+                <a:tc>
+                  <a:txBody>
+                    <a:bodyPr/>
+                    <a:lstStyle/>
+                    <a:p>
+                      <a:pPr algn="ctr" fontAlgn="b"/>
+                      <a:r>
+                        <a:rPr lang="en-US" sz="1800" u="sng" strike="noStrike" dirty="0" err="1">
+                          <a:solidFill>
+                            <a:schemeClr val="tx1"/>
+                          </a:solidFill>
+                          <a:effectLst/>
+                        </a:rPr>
+                        <a:t>Sr.No</a:t>
+                      </a:r>
+                      <a:endParaRPr lang="en-US" sz="1800" b="1" i="0" u="sng" strike="noStrike" dirty="0">
+                        <a:solidFill>
+                          <a:schemeClr val="tx1"/>
+                        </a:solidFill>
+                        <a:effectLst/>
+                        <a:latin typeface="Times New Roman" panose="02020603050405020304" pitchFamily="18" charset="0"/>
+                        <a:cs typeface="Times New Roman" panose="02020603050405020304" pitchFamily="18" charset="0"/>
+                      </a:endParaRPr>
+                    </a:p>
+                  </a:txBody>
+                  <a:tcPr marL="9525" marR="9525" marT="9525" marB="0" anchor="ctr"/>
+                </a:tc>
+                <a:tc>
+                  <a:txBody>
+                    <a:bodyPr/>
+                    <a:lstStyle/>
+                    <a:p>
+                      <a:pPr algn="ctr" fontAlgn="b"/>
+                      <a:r>
+                        <a:rPr lang="en-US" sz="1800" b="0" u="sng" strike="noStrike" dirty="0">
+                          <a:solidFill>
+                            <a:schemeClr val="tx1"/>
+                          </a:solidFill>
+                          <a:effectLst/>
+                        </a:rPr>
+                        <a:t>Validation</a:t>
+                      </a:r>
+                      <a:r>
+                        <a:rPr lang="en-US" sz="1800" b="0" u="sng" strike="noStrike" baseline="0" dirty="0">
+                          <a:solidFill>
+                            <a:schemeClr val="tx1"/>
+                          </a:solidFill>
+                          <a:effectLst/>
+                        </a:rPr>
+                        <a:t> Checking </a:t>
+                      </a:r>
+                      <a:endParaRPr lang="en-US" sz="1800" b="1" i="0" u="sng" strike="noStrike" dirty="0">
+                        <a:solidFill>
+                          <a:schemeClr val="tx1"/>
+                        </a:solidFill>
+                        <a:effectLst/>
+                        <a:latin typeface="Times New Roman" panose="02020603050405020304" pitchFamily="18" charset="0"/>
+                        <a:cs typeface="Times New Roman" panose="02020603050405020304" pitchFamily="18" charset="0"/>
+                      </a:endParaRPr>
+                    </a:p>
+                  </a:txBody>
+                  <a:tcPr marL="9525" marR="9525" marT="9525" marB="0" anchor="ctr"/>
+                </a:tc>
+                <a:tc>
+                  <a:txBody>
+                    <a:bodyPr/>
+                    <a:lstStyle/>
+                    <a:p>
+                      <a:pPr algn="ctr" fontAlgn="b"/>
+                      <a:r>
+                        <a:rPr lang="en-US" sz="1800" u="sng" strike="noStrike" dirty="0">
+                          <a:solidFill>
+                            <a:schemeClr val="tx1"/>
+                          </a:solidFill>
+                          <a:effectLst/>
+                        </a:rPr>
+                        <a:t>Excepted Result</a:t>
+                      </a:r>
+                      <a:endParaRPr lang="en-US" sz="1800" b="1" i="0" u="sng" strike="noStrike" dirty="0">
+                        <a:solidFill>
+                          <a:schemeClr val="tx1"/>
+                        </a:solidFill>
+                        <a:effectLst/>
+                        <a:latin typeface="Times New Roman" panose="02020603050405020304" pitchFamily="18" charset="0"/>
+                        <a:cs typeface="Times New Roman" panose="02020603050405020304" pitchFamily="18" charset="0"/>
+                      </a:endParaRPr>
+                    </a:p>
+                  </a:txBody>
+                  <a:tcPr marL="9525" marR="9525" marT="9525" marB="0" anchor="ctr"/>
+                </a:tc>
+                <a:tc>
+                  <a:txBody>
+                    <a:bodyPr/>
+                    <a:lstStyle/>
+                    <a:p>
+                      <a:pPr algn="ctr" fontAlgn="b"/>
+                      <a:r>
+                        <a:rPr lang="en-US" sz="1800" u="sng" strike="noStrike" dirty="0">
+                          <a:solidFill>
+                            <a:schemeClr val="tx1"/>
+                          </a:solidFill>
+                          <a:effectLst/>
+                        </a:rPr>
+                        <a:t>Test Result</a:t>
+                      </a:r>
+                      <a:endParaRPr lang="en-US" sz="1800" b="1" i="0" u="sng" strike="noStrike" dirty="0">
+                        <a:solidFill>
+                          <a:schemeClr val="tx1"/>
+                        </a:solidFill>
+                        <a:effectLst/>
+                        <a:latin typeface="Times New Roman" panose="02020603050405020304" pitchFamily="18" charset="0"/>
+                        <a:cs typeface="Times New Roman" panose="02020603050405020304" pitchFamily="18" charset="0"/>
+                      </a:endParaRPr>
+                    </a:p>
+                  </a:txBody>
+                  <a:tcPr marL="9525" marR="9525" marT="9525" marB="0" anchor="ctr"/>
+                </a:tc>
+                <a:extLst>
+                  <a:ext uri="{0D108BD9-81ED-4DB2-BD59-A6C34878D82A}">
+                    <a16:rowId xmlns:a16="http://schemas.microsoft.com/office/drawing/2014/main" val="1617694472"/>
+                  </a:ext>
+                </a:extLst>
+              </a:tr>
+              <a:tr h="645965">
+                <a:tc>
+                  <a:txBody>
+                    <a:bodyPr/>
+                    <a:lstStyle/>
+                    <a:p>
+                      <a:pPr algn="ctr" fontAlgn="b"/>
+                      <a:r>
+                        <a:rPr lang="en-US" sz="1800" u="none" strike="noStrike" dirty="0">
+                          <a:solidFill>
+                            <a:schemeClr val="tx1"/>
+                          </a:solidFill>
+                          <a:effectLst/>
+                        </a:rPr>
+                        <a:t>1</a:t>
+                      </a:r>
+                      <a:endParaRPr lang="en-US" sz="1800" b="0" i="0" u="none" strike="noStrike" dirty="0">
+                        <a:solidFill>
+                          <a:schemeClr val="tx1"/>
+                        </a:solidFill>
+                        <a:effectLst/>
+                        <a:latin typeface="Times New Roman" panose="02020603050405020304" pitchFamily="18" charset="0"/>
+                        <a:cs typeface="Times New Roman" panose="02020603050405020304" pitchFamily="18" charset="0"/>
+                      </a:endParaRPr>
+                    </a:p>
+                  </a:txBody>
+                  <a:tcPr marL="9525" marR="9525" marT="9525" marB="0" anchor="b"/>
+                </a:tc>
+                <a:tc>
+                  <a:txBody>
+                    <a:bodyPr/>
+                    <a:lstStyle/>
+                    <a:p>
+                      <a:pPr algn="ctr" fontAlgn="b"/>
+                      <a:r>
+                        <a:rPr lang="en-US" sz="1800" b="0" u="none" strike="noStrike" dirty="0">
+                          <a:solidFill>
+                            <a:schemeClr val="tx1"/>
+                          </a:solidFill>
+                          <a:effectLst/>
+                        </a:rPr>
+                        <a:t>Symbol</a:t>
+                      </a:r>
+                      <a:endParaRPr lang="en-US" sz="1800" b="0" i="0" u="none" strike="noStrike" dirty="0">
+                        <a:solidFill>
+                          <a:schemeClr val="tx1"/>
+                        </a:solidFill>
+                        <a:effectLst/>
+                        <a:latin typeface="Times New Roman" panose="02020603050405020304" pitchFamily="18" charset="0"/>
+                        <a:cs typeface="Times New Roman" panose="02020603050405020304" pitchFamily="18" charset="0"/>
+                      </a:endParaRPr>
+                    </a:p>
+                  </a:txBody>
+                  <a:tcPr marL="9525" marR="9525" marT="9525" marB="0" anchor="b"/>
+                </a:tc>
+                <a:tc>
+                  <a:txBody>
+                    <a:bodyPr/>
+                    <a:lstStyle/>
+                    <a:p>
+                      <a:pPr algn="ctr" fontAlgn="b"/>
+                      <a:r>
+                        <a:rPr lang="en-US" sz="1800" b="0" u="none" strike="noStrike" dirty="0">
+                          <a:solidFill>
+                            <a:schemeClr val="tx1"/>
+                          </a:solidFill>
+                          <a:effectLst/>
+                        </a:rPr>
+                        <a:t>As per Yahoo Finance</a:t>
+                      </a:r>
+                      <a:endParaRPr lang="en-US" sz="1800" b="0" i="0" u="none" strike="noStrike" dirty="0">
+                        <a:solidFill>
+                          <a:schemeClr val="tx1"/>
+                        </a:solidFill>
+                        <a:effectLst/>
+                        <a:latin typeface="Times New Roman" panose="02020603050405020304" pitchFamily="18" charset="0"/>
+                        <a:cs typeface="Times New Roman" panose="02020603050405020304" pitchFamily="18" charset="0"/>
+                      </a:endParaRPr>
+                    </a:p>
+                  </a:txBody>
+                  <a:tcPr marL="9525" marR="9525" marT="9525" marB="0" anchor="b"/>
+                </a:tc>
+                <a:tc>
+                  <a:txBody>
+                    <a:bodyPr/>
+                    <a:lstStyle/>
+                    <a:p>
+                      <a:pPr marL="0" marR="0" indent="0" algn="ctr" defTabSz="457200" rtl="0" eaLnBrk="1" fontAlgn="b" latinLnBrk="0" hangingPunct="1">
+                        <a:lnSpc>
+                          <a:spcPct val="100000"/>
+                        </a:lnSpc>
+                        <a:spcBef>
+                          <a:spcPts val="0"/>
+                        </a:spcBef>
+                        <a:spcAft>
+                          <a:spcPts val="0"/>
+                        </a:spcAft>
+                        <a:buClrTx/>
+                        <a:buSzTx/>
+                        <a:buFontTx/>
+                        <a:buNone/>
+                        <a:tabLst/>
+                        <a:defRPr/>
+                      </a:pPr>
+                      <a:r>
+                        <a:rPr lang="en-US" sz="1800" b="0" u="none" strike="noStrike" dirty="0">
+                          <a:solidFill>
+                            <a:schemeClr val="tx1"/>
+                          </a:solidFill>
+                          <a:effectLst/>
+                        </a:rPr>
+                        <a:t>Pass</a:t>
+                      </a:r>
+                      <a:endParaRPr lang="en-US" sz="1800" b="0" i="0" u="none" strike="noStrike" dirty="0">
+                        <a:solidFill>
+                          <a:schemeClr val="tx1"/>
+                        </a:solidFill>
+                        <a:effectLst/>
+                        <a:latin typeface="Times New Roman" panose="02020603050405020304" pitchFamily="18" charset="0"/>
+                        <a:cs typeface="Times New Roman" panose="02020603050405020304" pitchFamily="18" charset="0"/>
+                      </a:endParaRPr>
+                    </a:p>
+                  </a:txBody>
+                  <a:tcPr marL="9525" marR="9525" marT="9525" marB="0" anchor="b"/>
+                </a:tc>
+                <a:extLst>
+                  <a:ext uri="{0D108BD9-81ED-4DB2-BD59-A6C34878D82A}">
+                    <a16:rowId xmlns:a16="http://schemas.microsoft.com/office/drawing/2014/main" val="980526683"/>
+                  </a:ext>
+                </a:extLst>
+              </a:tr>
+            </a:tbl>
+          </a:graphicData>
+        </a:graphic>
+      </p:graphicFrame>
     </p:spTree>
     <p:extLst>
       <p:ext uri="{BB962C8B-B14F-4D97-AF65-F5344CB8AC3E}">
-        <p14:creationId xmlns:p14="http://schemas.microsoft.com/office/powerpoint/2010/main" val="3057627662"/>
+        <p14:creationId xmlns:p14="http://schemas.microsoft.com/office/powerpoint/2010/main" val="2459001047"/>
       </p:ext>
     </p:extLst>
   </p:cSld>
@@ -13451,7 +14353,7 @@
           <p:cNvPr id="2" name="Title 1">
             <a:extLst>
               <a:ext uri="{FF2B5EF4-FFF2-40B4-BE49-F238E27FC236}">
-                <a16:creationId xmlns:a16="http://schemas.microsoft.com/office/drawing/2014/main" id="{D6AF07E2-2033-4F66-A61A-0671AA60DDEB}"/>
+                <a16:creationId xmlns:a16="http://schemas.microsoft.com/office/drawing/2014/main" id="{6333E874-0081-4EB8-AE50-2317ED5F8C40}"/>
               </a:ext>
             </a:extLst>
           </p:cNvPr>
@@ -13468,41 +14370,463 @@
           <a:lstStyle/>
           <a:p>
             <a:r>
-              <a:rPr lang="en-US" dirty="0"/>
-              <a:t>Bibliography</a:t>
+              <a:rPr lang="en-US" sz="3600" b="1" dirty="0">
+                <a:latin typeface="Times New Roman" panose="02020603050405020304" pitchFamily="18" charset="0"/>
+                <a:cs typeface="Times New Roman" panose="02020603050405020304" pitchFamily="18" charset="0"/>
+              </a:rPr>
+              <a:t>Testing For Holding</a:t>
             </a:r>
           </a:p>
         </p:txBody>
       </p:sp>
-      <p:sp>
-        <p:nvSpPr>
-          <p:cNvPr id="3" name="Text Placeholder 2">
+      <p:graphicFrame>
+        <p:nvGraphicFramePr>
+          <p:cNvPr id="4" name="Table 3">
             <a:extLst>
               <a:ext uri="{FF2B5EF4-FFF2-40B4-BE49-F238E27FC236}">
-                <a16:creationId xmlns:a16="http://schemas.microsoft.com/office/drawing/2014/main" id="{606413EA-31CC-401C-AA52-AB1B7F685215}"/>
+                <a16:creationId xmlns:a16="http://schemas.microsoft.com/office/drawing/2014/main" id="{E6F3C831-7FE3-472F-9034-D2CF2790D465}"/>
               </a:ext>
             </a:extLst>
           </p:cNvPr>
-          <p:cNvSpPr>
-            <a:spLocks noGrp="1"/>
-          </p:cNvSpPr>
+          <p:cNvGraphicFramePr>
+            <a:graphicFrameLocks noGrp="1"/>
+          </p:cNvGraphicFramePr>
           <p:nvPr>
-            <p:ph type="body" idx="1"/>
+            <p:extLst>
+              <p:ext uri="{D42A27DB-BD31-4B8C-83A1-F6EECF244321}">
+                <p14:modId xmlns:p14="http://schemas.microsoft.com/office/powerpoint/2010/main" val="2185026070"/>
+              </p:ext>
+            </p:extLst>
           </p:nvPr>
-        </p:nvSpPr>
-        <p:spPr/>
-        <p:txBody>
-          <a:bodyPr/>
-          <a:lstStyle/>
-          <a:p>
-            <a:endParaRPr lang="en-IN" dirty="0"/>
-          </a:p>
-        </p:txBody>
-      </p:sp>
+        </p:nvGraphicFramePr>
+        <p:xfrm>
+          <a:off x="677336" y="1930400"/>
+          <a:ext cx="8596666" cy="2365353"/>
+        </p:xfrm>
+        <a:graphic>
+          <a:graphicData uri="http://schemas.openxmlformats.org/drawingml/2006/table">
+            <a:tbl>
+              <a:tblPr>
+                <a:tableStyleId>{3B4B98B0-60AC-42C2-AFA5-B58CD77FA1E5}</a:tableStyleId>
+              </a:tblPr>
+              <a:tblGrid>
+                <a:gridCol w="988850">
+                  <a:extLst>
+                    <a:ext uri="{9D8B030D-6E8A-4147-A177-3AD203B41FA5}">
+                      <a16:colId xmlns:a16="http://schemas.microsoft.com/office/drawing/2014/main" val="2295720688"/>
+                    </a:ext>
+                  </a:extLst>
+                </a:gridCol>
+                <a:gridCol w="3105263">
+                  <a:extLst>
+                    <a:ext uri="{9D8B030D-6E8A-4147-A177-3AD203B41FA5}">
+                      <a16:colId xmlns:a16="http://schemas.microsoft.com/office/drawing/2014/main" val="497753045"/>
+                    </a:ext>
+                  </a:extLst>
+                </a:gridCol>
+                <a:gridCol w="2577054">
+                  <a:extLst>
+                    <a:ext uri="{9D8B030D-6E8A-4147-A177-3AD203B41FA5}">
+                      <a16:colId xmlns:a16="http://schemas.microsoft.com/office/drawing/2014/main" val="207157005"/>
+                    </a:ext>
+                  </a:extLst>
+                </a:gridCol>
+                <a:gridCol w="1925499">
+                  <a:extLst>
+                    <a:ext uri="{9D8B030D-6E8A-4147-A177-3AD203B41FA5}">
+                      <a16:colId xmlns:a16="http://schemas.microsoft.com/office/drawing/2014/main" val="1014414919"/>
+                    </a:ext>
+                  </a:extLst>
+                </a:gridCol>
+              </a:tblGrid>
+              <a:tr h="1073423">
+                <a:tc>
+                  <a:txBody>
+                    <a:bodyPr/>
+                    <a:lstStyle/>
+                    <a:p>
+                      <a:pPr algn="ctr" fontAlgn="b"/>
+                      <a:r>
+                        <a:rPr lang="en-US" sz="1800" u="sng" strike="noStrike" dirty="0" err="1">
+                          <a:solidFill>
+                            <a:schemeClr val="tx1"/>
+                          </a:solidFill>
+                          <a:effectLst/>
+                          <a:latin typeface="Calibri" panose="020F0502020204030204" pitchFamily="34" charset="0"/>
+                          <a:cs typeface="Calibri" panose="020F0502020204030204" pitchFamily="34" charset="0"/>
+                        </a:rPr>
+                        <a:t>Sr.No</a:t>
+                      </a:r>
+                      <a:endParaRPr lang="en-US" sz="1800" b="1" i="0" u="sng" strike="noStrike" dirty="0">
+                        <a:solidFill>
+                          <a:schemeClr val="tx1"/>
+                        </a:solidFill>
+                        <a:effectLst/>
+                        <a:latin typeface="Calibri" panose="020F0502020204030204" pitchFamily="34" charset="0"/>
+                        <a:cs typeface="Calibri" panose="020F0502020204030204" pitchFamily="34" charset="0"/>
+                      </a:endParaRPr>
+                    </a:p>
+                  </a:txBody>
+                  <a:tcPr marL="9525" marR="9525" marT="9525" marB="0" anchor="ctr"/>
+                </a:tc>
+                <a:tc>
+                  <a:txBody>
+                    <a:bodyPr/>
+                    <a:lstStyle/>
+                    <a:p>
+                      <a:pPr algn="ctr" fontAlgn="b"/>
+                      <a:r>
+                        <a:rPr lang="en-US" sz="1800" b="0" u="sng" strike="noStrike" dirty="0">
+                          <a:solidFill>
+                            <a:schemeClr val="tx1"/>
+                          </a:solidFill>
+                          <a:effectLst/>
+                          <a:latin typeface="Calibri" panose="020F0502020204030204" pitchFamily="34" charset="0"/>
+                          <a:cs typeface="Calibri" panose="020F0502020204030204" pitchFamily="34" charset="0"/>
+                        </a:rPr>
+                        <a:t>Validation</a:t>
+                      </a:r>
+                      <a:r>
+                        <a:rPr lang="en-US" sz="1800" b="0" u="sng" strike="noStrike" baseline="0" dirty="0">
+                          <a:solidFill>
+                            <a:schemeClr val="tx1"/>
+                          </a:solidFill>
+                          <a:effectLst/>
+                          <a:latin typeface="Calibri" panose="020F0502020204030204" pitchFamily="34" charset="0"/>
+                          <a:cs typeface="Calibri" panose="020F0502020204030204" pitchFamily="34" charset="0"/>
+                        </a:rPr>
+                        <a:t> Checking </a:t>
+                      </a:r>
+                      <a:endParaRPr lang="en-US" sz="1800" b="1" i="0" u="sng" strike="noStrike" dirty="0">
+                        <a:solidFill>
+                          <a:schemeClr val="tx1"/>
+                        </a:solidFill>
+                        <a:effectLst/>
+                        <a:latin typeface="Calibri" panose="020F0502020204030204" pitchFamily="34" charset="0"/>
+                        <a:cs typeface="Calibri" panose="020F0502020204030204" pitchFamily="34" charset="0"/>
+                      </a:endParaRPr>
+                    </a:p>
+                  </a:txBody>
+                  <a:tcPr marL="9525" marR="9525" marT="9525" marB="0" anchor="ctr"/>
+                </a:tc>
+                <a:tc>
+                  <a:txBody>
+                    <a:bodyPr/>
+                    <a:lstStyle/>
+                    <a:p>
+                      <a:pPr algn="ctr" fontAlgn="b"/>
+                      <a:r>
+                        <a:rPr lang="en-US" sz="1800" u="sng" strike="noStrike" dirty="0">
+                          <a:solidFill>
+                            <a:schemeClr val="tx1"/>
+                          </a:solidFill>
+                          <a:effectLst/>
+                          <a:latin typeface="Calibri" panose="020F0502020204030204" pitchFamily="34" charset="0"/>
+                          <a:cs typeface="Calibri" panose="020F0502020204030204" pitchFamily="34" charset="0"/>
+                        </a:rPr>
+                        <a:t>Excepted Result</a:t>
+                      </a:r>
+                      <a:endParaRPr lang="en-US" sz="1800" b="1" i="0" u="sng" strike="noStrike" dirty="0">
+                        <a:solidFill>
+                          <a:schemeClr val="tx1"/>
+                        </a:solidFill>
+                        <a:effectLst/>
+                        <a:latin typeface="Calibri" panose="020F0502020204030204" pitchFamily="34" charset="0"/>
+                        <a:cs typeface="Calibri" panose="020F0502020204030204" pitchFamily="34" charset="0"/>
+                      </a:endParaRPr>
+                    </a:p>
+                  </a:txBody>
+                  <a:tcPr marL="9525" marR="9525" marT="9525" marB="0" anchor="ctr"/>
+                </a:tc>
+                <a:tc>
+                  <a:txBody>
+                    <a:bodyPr/>
+                    <a:lstStyle/>
+                    <a:p>
+                      <a:pPr algn="ctr" fontAlgn="b"/>
+                      <a:r>
+                        <a:rPr lang="en-US" sz="1800" u="sng" strike="noStrike" dirty="0">
+                          <a:solidFill>
+                            <a:schemeClr val="tx1"/>
+                          </a:solidFill>
+                          <a:effectLst/>
+                          <a:latin typeface="Calibri" panose="020F0502020204030204" pitchFamily="34" charset="0"/>
+                          <a:cs typeface="Calibri" panose="020F0502020204030204" pitchFamily="34" charset="0"/>
+                        </a:rPr>
+                        <a:t>Test Result</a:t>
+                      </a:r>
+                      <a:endParaRPr lang="en-US" sz="1800" b="1" i="0" u="sng" strike="noStrike" dirty="0">
+                        <a:solidFill>
+                          <a:schemeClr val="tx1"/>
+                        </a:solidFill>
+                        <a:effectLst/>
+                        <a:latin typeface="Calibri" panose="020F0502020204030204" pitchFamily="34" charset="0"/>
+                        <a:cs typeface="Calibri" panose="020F0502020204030204" pitchFamily="34" charset="0"/>
+                      </a:endParaRPr>
+                    </a:p>
+                  </a:txBody>
+                  <a:tcPr marL="9525" marR="9525" marT="9525" marB="0" anchor="ctr"/>
+                </a:tc>
+                <a:extLst>
+                  <a:ext uri="{0D108BD9-81ED-4DB2-BD59-A6C34878D82A}">
+                    <a16:rowId xmlns:a16="http://schemas.microsoft.com/office/drawing/2014/main" val="1617694472"/>
+                  </a:ext>
+                </a:extLst>
+              </a:tr>
+              <a:tr h="645965">
+                <a:tc>
+                  <a:txBody>
+                    <a:bodyPr/>
+                    <a:lstStyle/>
+                    <a:p>
+                      <a:pPr algn="ctr" fontAlgn="b"/>
+                      <a:r>
+                        <a:rPr lang="en-US" sz="1800" u="none" strike="noStrike" dirty="0">
+                          <a:solidFill>
+                            <a:schemeClr val="tx1"/>
+                          </a:solidFill>
+                          <a:effectLst/>
+                          <a:latin typeface="Calibri" panose="020F0502020204030204" pitchFamily="34" charset="0"/>
+                          <a:cs typeface="Calibri" panose="020F0502020204030204" pitchFamily="34" charset="0"/>
+                        </a:rPr>
+                        <a:t>1</a:t>
+                      </a:r>
+                      <a:endParaRPr lang="en-US" sz="1800" b="0" i="0" u="none" strike="noStrike" dirty="0">
+                        <a:solidFill>
+                          <a:schemeClr val="tx1"/>
+                        </a:solidFill>
+                        <a:effectLst/>
+                        <a:latin typeface="Calibri" panose="020F0502020204030204" pitchFamily="34" charset="0"/>
+                        <a:cs typeface="Calibri" panose="020F0502020204030204" pitchFamily="34" charset="0"/>
+                      </a:endParaRPr>
+                    </a:p>
+                  </a:txBody>
+                  <a:tcPr marL="9525" marR="9525" marT="9525" marB="0" anchor="b"/>
+                </a:tc>
+                <a:tc>
+                  <a:txBody>
+                    <a:bodyPr/>
+                    <a:lstStyle/>
+                    <a:p>
+                      <a:pPr algn="ctr" fontAlgn="b"/>
+                      <a:r>
+                        <a:rPr lang="en-US" sz="1800" b="0" u="none" strike="noStrike" dirty="0">
+                          <a:solidFill>
+                            <a:schemeClr val="tx1"/>
+                          </a:solidFill>
+                          <a:effectLst/>
+                          <a:latin typeface="Calibri" panose="020F0502020204030204" pitchFamily="34" charset="0"/>
+                          <a:cs typeface="Calibri" panose="020F0502020204030204" pitchFamily="34" charset="0"/>
+                        </a:rPr>
+                        <a:t>Symbol</a:t>
+                      </a:r>
+                      <a:endParaRPr lang="en-US" sz="1800" b="0" i="0" u="none" strike="noStrike" dirty="0">
+                        <a:solidFill>
+                          <a:schemeClr val="tx1"/>
+                        </a:solidFill>
+                        <a:effectLst/>
+                        <a:latin typeface="Calibri" panose="020F0502020204030204" pitchFamily="34" charset="0"/>
+                        <a:cs typeface="Calibri" panose="020F0502020204030204" pitchFamily="34" charset="0"/>
+                      </a:endParaRPr>
+                    </a:p>
+                  </a:txBody>
+                  <a:tcPr marL="9525" marR="9525" marT="9525" marB="0" anchor="b"/>
+                </a:tc>
+                <a:tc>
+                  <a:txBody>
+                    <a:bodyPr/>
+                    <a:lstStyle/>
+                    <a:p>
+                      <a:pPr algn="ctr" fontAlgn="b"/>
+                      <a:r>
+                        <a:rPr lang="en-US" sz="1800" b="0" u="none" strike="noStrike" dirty="0">
+                          <a:solidFill>
+                            <a:schemeClr val="tx1"/>
+                          </a:solidFill>
+                          <a:effectLst/>
+                          <a:latin typeface="Calibri" panose="020F0502020204030204" pitchFamily="34" charset="0"/>
+                          <a:cs typeface="Calibri" panose="020F0502020204030204" pitchFamily="34" charset="0"/>
+                        </a:rPr>
+                        <a:t>As per Yahoo Finance</a:t>
+                      </a:r>
+                      <a:endParaRPr lang="en-US" sz="1800" b="0" i="0" u="none" strike="noStrike" dirty="0">
+                        <a:solidFill>
+                          <a:schemeClr val="tx1"/>
+                        </a:solidFill>
+                        <a:effectLst/>
+                        <a:latin typeface="Calibri" panose="020F0502020204030204" pitchFamily="34" charset="0"/>
+                        <a:cs typeface="Calibri" panose="020F0502020204030204" pitchFamily="34" charset="0"/>
+                      </a:endParaRPr>
+                    </a:p>
+                  </a:txBody>
+                  <a:tcPr marL="9525" marR="9525" marT="9525" marB="0" anchor="b"/>
+                </a:tc>
+                <a:tc>
+                  <a:txBody>
+                    <a:bodyPr/>
+                    <a:lstStyle/>
+                    <a:p>
+                      <a:pPr marL="0" marR="0" indent="0" algn="ctr" defTabSz="457200" rtl="0" eaLnBrk="1" fontAlgn="b" latinLnBrk="0" hangingPunct="1">
+                        <a:lnSpc>
+                          <a:spcPct val="100000"/>
+                        </a:lnSpc>
+                        <a:spcBef>
+                          <a:spcPts val="0"/>
+                        </a:spcBef>
+                        <a:spcAft>
+                          <a:spcPts val="0"/>
+                        </a:spcAft>
+                        <a:buClrTx/>
+                        <a:buSzTx/>
+                        <a:buFontTx/>
+                        <a:buNone/>
+                        <a:tabLst/>
+                        <a:defRPr/>
+                      </a:pPr>
+                      <a:r>
+                        <a:rPr lang="en-US" sz="1800" b="0" u="none" strike="noStrike" dirty="0">
+                          <a:solidFill>
+                            <a:schemeClr val="tx1"/>
+                          </a:solidFill>
+                          <a:effectLst/>
+                          <a:latin typeface="Calibri" panose="020F0502020204030204" pitchFamily="34" charset="0"/>
+                          <a:cs typeface="Calibri" panose="020F0502020204030204" pitchFamily="34" charset="0"/>
+                        </a:rPr>
+                        <a:t>Pass</a:t>
+                      </a:r>
+                      <a:endParaRPr lang="en-US" sz="1800" b="0" i="0" u="none" strike="noStrike" dirty="0">
+                        <a:solidFill>
+                          <a:schemeClr val="tx1"/>
+                        </a:solidFill>
+                        <a:effectLst/>
+                        <a:latin typeface="Calibri" panose="020F0502020204030204" pitchFamily="34" charset="0"/>
+                        <a:cs typeface="Calibri" panose="020F0502020204030204" pitchFamily="34" charset="0"/>
+                      </a:endParaRPr>
+                    </a:p>
+                  </a:txBody>
+                  <a:tcPr marL="9525" marR="9525" marT="9525" marB="0" anchor="b"/>
+                </a:tc>
+                <a:extLst>
+                  <a:ext uri="{0D108BD9-81ED-4DB2-BD59-A6C34878D82A}">
+                    <a16:rowId xmlns:a16="http://schemas.microsoft.com/office/drawing/2014/main" val="980526683"/>
+                  </a:ext>
+                </a:extLst>
+              </a:tr>
+              <a:tr h="645965">
+                <a:tc>
+                  <a:txBody>
+                    <a:bodyPr/>
+                    <a:lstStyle/>
+                    <a:p>
+                      <a:pPr algn="ctr" fontAlgn="b"/>
+                      <a:r>
+                        <a:rPr lang="en-US" sz="1800" b="0" i="0" u="none" strike="noStrike" dirty="0">
+                          <a:solidFill>
+                            <a:schemeClr val="tx1"/>
+                          </a:solidFill>
+                          <a:effectLst/>
+                          <a:latin typeface="Calibri" panose="020F0502020204030204" pitchFamily="34" charset="0"/>
+                          <a:cs typeface="Calibri" panose="020F0502020204030204" pitchFamily="34" charset="0"/>
+                        </a:rPr>
+                        <a:t>2</a:t>
+                      </a:r>
+                    </a:p>
+                  </a:txBody>
+                  <a:tcPr marL="9525" marR="9525" marT="9525" marB="0" anchor="b"/>
+                </a:tc>
+                <a:tc>
+                  <a:txBody>
+                    <a:bodyPr/>
+                    <a:lstStyle/>
+                    <a:p>
+                      <a:pPr algn="ctr" fontAlgn="b"/>
+                      <a:r>
+                        <a:rPr lang="en-US" sz="1800" b="0" i="0" u="none" strike="noStrike" dirty="0">
+                          <a:solidFill>
+                            <a:schemeClr val="tx1"/>
+                          </a:solidFill>
+                          <a:effectLst/>
+                          <a:latin typeface="Calibri" panose="020F0502020204030204" pitchFamily="34" charset="0"/>
+                          <a:cs typeface="Calibri" panose="020F0502020204030204" pitchFamily="34" charset="0"/>
+                        </a:rPr>
+                        <a:t>Quantity</a:t>
+                      </a:r>
+                    </a:p>
+                  </a:txBody>
+                  <a:tcPr marL="9525" marR="9525" marT="9525" marB="0" anchor="b"/>
+                </a:tc>
+                <a:tc>
+                  <a:txBody>
+                    <a:bodyPr/>
+                    <a:lstStyle/>
+                    <a:p>
+                      <a:pPr algn="ctr" fontAlgn="b"/>
+                      <a:r>
+                        <a:rPr lang="en-US" sz="1800" b="0" i="0" u="none" strike="noStrike" dirty="0">
+                          <a:solidFill>
+                            <a:schemeClr val="tx1"/>
+                          </a:solidFill>
+                          <a:effectLst/>
+                          <a:latin typeface="Calibri" panose="020F0502020204030204" pitchFamily="34" charset="0"/>
+                          <a:cs typeface="Calibri" panose="020F0502020204030204" pitchFamily="34" charset="0"/>
+                        </a:rPr>
+                        <a:t>Greater then Zero</a:t>
+                      </a:r>
+                    </a:p>
+                  </a:txBody>
+                  <a:tcPr marL="9525" marR="9525" marT="9525" marB="0" anchor="b"/>
+                </a:tc>
+                <a:tc>
+                  <a:txBody>
+                    <a:bodyPr/>
+                    <a:lstStyle/>
+                    <a:p>
+                      <a:pPr marL="0" marR="0" indent="0" algn="ctr" defTabSz="457200" rtl="0" eaLnBrk="1" fontAlgn="b" latinLnBrk="0" hangingPunct="1">
+                        <a:lnSpc>
+                          <a:spcPct val="100000"/>
+                        </a:lnSpc>
+                        <a:spcBef>
+                          <a:spcPts val="0"/>
+                        </a:spcBef>
+                        <a:spcAft>
+                          <a:spcPts val="0"/>
+                        </a:spcAft>
+                        <a:buClrTx/>
+                        <a:buSzTx/>
+                        <a:buFontTx/>
+                        <a:buNone/>
+                        <a:tabLst/>
+                        <a:defRPr/>
+                      </a:pPr>
+                      <a:r>
+                        <a:rPr lang="en-US" sz="1800" b="0" i="0" u="none" strike="noStrike" dirty="0">
+                          <a:solidFill>
+                            <a:schemeClr val="tx1"/>
+                          </a:solidFill>
+                          <a:effectLst/>
+                          <a:latin typeface="Calibri" panose="020F0502020204030204" pitchFamily="34" charset="0"/>
+                          <a:cs typeface="Calibri" panose="020F0502020204030204" pitchFamily="34" charset="0"/>
+                        </a:rPr>
+                        <a:t>Pass</a:t>
+                      </a:r>
+                    </a:p>
+                  </a:txBody>
+                  <a:tcPr marL="9525" marR="9525" marT="9525" marB="0" anchor="b"/>
+                </a:tc>
+                <a:extLst>
+                  <a:ext uri="{0D108BD9-81ED-4DB2-BD59-A6C34878D82A}">
+                    <a16:rowId xmlns:a16="http://schemas.microsoft.com/office/drawing/2014/main" val="1544482846"/>
+                  </a:ext>
+                </a:extLst>
+              </a:tr>
+            </a:tbl>
+          </a:graphicData>
+        </a:graphic>
+      </p:graphicFrame>
     </p:spTree>
     <p:extLst>
       <p:ext uri="{BB962C8B-B14F-4D97-AF65-F5344CB8AC3E}">
-        <p14:creationId xmlns:p14="http://schemas.microsoft.com/office/powerpoint/2010/main" val="204634296"/>
+        <p14:creationId xmlns:p14="http://schemas.microsoft.com/office/powerpoint/2010/main" val="3621930806"/>
       </p:ext>
     </p:extLst>
   </p:cSld>
@@ -13551,44 +14875,332 @@
           <a:lstStyle/>
           <a:p>
             <a:r>
-              <a:rPr lang="en-US" dirty="0"/>
-              <a:t>Bibliography</a:t>
-            </a:r>
-            <a:endParaRPr lang="en-IN" dirty="0"/>
+              <a:rPr lang="en-US" sz="3600" b="1" dirty="0">
+                <a:latin typeface="Times New Roman" panose="02020603050405020304" pitchFamily="18" charset="0"/>
+                <a:cs typeface="Times New Roman" panose="02020603050405020304" pitchFamily="18" charset="0"/>
+              </a:rPr>
+              <a:t>Testing For Prediction</a:t>
+            </a:r>
           </a:p>
         </p:txBody>
       </p:sp>
-      <p:sp>
-        <p:nvSpPr>
-          <p:cNvPr id="3" name="Content Placeholder 2">
+      <p:graphicFrame>
+        <p:nvGraphicFramePr>
+          <p:cNvPr id="4" name="Table 3">
             <a:extLst>
               <a:ext uri="{FF2B5EF4-FFF2-40B4-BE49-F238E27FC236}">
-                <a16:creationId xmlns:a16="http://schemas.microsoft.com/office/drawing/2014/main" id="{118A1944-C412-4D9E-BF6D-B5C5C26FBBB2}"/>
+                <a16:creationId xmlns:a16="http://schemas.microsoft.com/office/drawing/2014/main" id="{E6F3C831-7FE3-472F-9034-D2CF2790D465}"/>
               </a:ext>
             </a:extLst>
           </p:cNvPr>
-          <p:cNvSpPr>
-            <a:spLocks noGrp="1"/>
-          </p:cNvSpPr>
-          <p:nvPr>
-            <p:ph idx="1"/>
-          </p:nvPr>
-        </p:nvSpPr>
-        <p:spPr/>
-        <p:txBody>
-          <a:bodyPr>
-            <a:normAutofit/>
-          </a:bodyPr>
-          <a:lstStyle/>
-          <a:p>
-            <a:endParaRPr lang="en-IN" dirty="0"/>
-          </a:p>
-        </p:txBody>
-      </p:sp>
+          <p:cNvGraphicFramePr>
+            <a:graphicFrameLocks noGrp="1"/>
+          </p:cNvGraphicFramePr>
+          <p:nvPr/>
+        </p:nvGraphicFramePr>
+        <p:xfrm>
+          <a:off x="677336" y="1930400"/>
+          <a:ext cx="8596666" cy="1719388"/>
+        </p:xfrm>
+        <a:graphic>
+          <a:graphicData uri="http://schemas.openxmlformats.org/drawingml/2006/table">
+            <a:tbl>
+              <a:tblPr>
+                <a:tableStyleId>{3B4B98B0-60AC-42C2-AFA5-B58CD77FA1E5}</a:tableStyleId>
+              </a:tblPr>
+              <a:tblGrid>
+                <a:gridCol w="988850">
+                  <a:extLst>
+                    <a:ext uri="{9D8B030D-6E8A-4147-A177-3AD203B41FA5}">
+                      <a16:colId xmlns:a16="http://schemas.microsoft.com/office/drawing/2014/main" val="2295720688"/>
+                    </a:ext>
+                  </a:extLst>
+                </a:gridCol>
+                <a:gridCol w="3105263">
+                  <a:extLst>
+                    <a:ext uri="{9D8B030D-6E8A-4147-A177-3AD203B41FA5}">
+                      <a16:colId xmlns:a16="http://schemas.microsoft.com/office/drawing/2014/main" val="497753045"/>
+                    </a:ext>
+                  </a:extLst>
+                </a:gridCol>
+                <a:gridCol w="2577054">
+                  <a:extLst>
+                    <a:ext uri="{9D8B030D-6E8A-4147-A177-3AD203B41FA5}">
+                      <a16:colId xmlns:a16="http://schemas.microsoft.com/office/drawing/2014/main" val="207157005"/>
+                    </a:ext>
+                  </a:extLst>
+                </a:gridCol>
+                <a:gridCol w="1925499">
+                  <a:extLst>
+                    <a:ext uri="{9D8B030D-6E8A-4147-A177-3AD203B41FA5}">
+                      <a16:colId xmlns:a16="http://schemas.microsoft.com/office/drawing/2014/main" val="1014414919"/>
+                    </a:ext>
+                  </a:extLst>
+                </a:gridCol>
+              </a:tblGrid>
+              <a:tr h="1073423">
+                <a:tc>
+                  <a:txBody>
+                    <a:bodyPr/>
+                    <a:lstStyle/>
+                    <a:p>
+                      <a:pPr algn="ctr" fontAlgn="b"/>
+                      <a:r>
+                        <a:rPr lang="en-US" sz="1800" u="sng" strike="noStrike" dirty="0" err="1">
+                          <a:solidFill>
+                            <a:schemeClr val="tx1"/>
+                          </a:solidFill>
+                          <a:effectLst/>
+                        </a:rPr>
+                        <a:t>Sr.No</a:t>
+                      </a:r>
+                      <a:endParaRPr lang="en-US" sz="1800" b="1" i="0" u="sng" strike="noStrike" dirty="0">
+                        <a:solidFill>
+                          <a:schemeClr val="tx1"/>
+                        </a:solidFill>
+                        <a:effectLst/>
+                        <a:latin typeface="Times New Roman" panose="02020603050405020304" pitchFamily="18" charset="0"/>
+                        <a:cs typeface="Times New Roman" panose="02020603050405020304" pitchFamily="18" charset="0"/>
+                      </a:endParaRPr>
+                    </a:p>
+                  </a:txBody>
+                  <a:tcPr marL="9525" marR="9525" marT="9525" marB="0" anchor="ctr"/>
+                </a:tc>
+                <a:tc>
+                  <a:txBody>
+                    <a:bodyPr/>
+                    <a:lstStyle/>
+                    <a:p>
+                      <a:pPr algn="ctr" fontAlgn="b"/>
+                      <a:r>
+                        <a:rPr lang="en-US" sz="1800" b="0" u="sng" strike="noStrike" dirty="0">
+                          <a:solidFill>
+                            <a:schemeClr val="tx1"/>
+                          </a:solidFill>
+                          <a:effectLst/>
+                        </a:rPr>
+                        <a:t>Validation</a:t>
+                      </a:r>
+                      <a:r>
+                        <a:rPr lang="en-US" sz="1800" b="0" u="sng" strike="noStrike" baseline="0" dirty="0">
+                          <a:solidFill>
+                            <a:schemeClr val="tx1"/>
+                          </a:solidFill>
+                          <a:effectLst/>
+                        </a:rPr>
+                        <a:t> Checking </a:t>
+                      </a:r>
+                      <a:endParaRPr lang="en-US" sz="1800" b="1" i="0" u="sng" strike="noStrike" dirty="0">
+                        <a:solidFill>
+                          <a:schemeClr val="tx1"/>
+                        </a:solidFill>
+                        <a:effectLst/>
+                        <a:latin typeface="Times New Roman" panose="02020603050405020304" pitchFamily="18" charset="0"/>
+                        <a:cs typeface="Times New Roman" panose="02020603050405020304" pitchFamily="18" charset="0"/>
+                      </a:endParaRPr>
+                    </a:p>
+                  </a:txBody>
+                  <a:tcPr marL="9525" marR="9525" marT="9525" marB="0" anchor="ctr"/>
+                </a:tc>
+                <a:tc>
+                  <a:txBody>
+                    <a:bodyPr/>
+                    <a:lstStyle/>
+                    <a:p>
+                      <a:pPr algn="ctr" fontAlgn="b"/>
+                      <a:r>
+                        <a:rPr lang="en-US" sz="1800" u="sng" strike="noStrike" dirty="0">
+                          <a:solidFill>
+                            <a:schemeClr val="tx1"/>
+                          </a:solidFill>
+                          <a:effectLst/>
+                        </a:rPr>
+                        <a:t>Excepted Result</a:t>
+                      </a:r>
+                      <a:endParaRPr lang="en-US" sz="1800" b="1" i="0" u="sng" strike="noStrike" dirty="0">
+                        <a:solidFill>
+                          <a:schemeClr val="tx1"/>
+                        </a:solidFill>
+                        <a:effectLst/>
+                        <a:latin typeface="Times New Roman" panose="02020603050405020304" pitchFamily="18" charset="0"/>
+                        <a:cs typeface="Times New Roman" panose="02020603050405020304" pitchFamily="18" charset="0"/>
+                      </a:endParaRPr>
+                    </a:p>
+                  </a:txBody>
+                  <a:tcPr marL="9525" marR="9525" marT="9525" marB="0" anchor="ctr"/>
+                </a:tc>
+                <a:tc>
+                  <a:txBody>
+                    <a:bodyPr/>
+                    <a:lstStyle/>
+                    <a:p>
+                      <a:pPr algn="ctr" fontAlgn="b"/>
+                      <a:r>
+                        <a:rPr lang="en-US" sz="1800" u="sng" strike="noStrike" dirty="0">
+                          <a:solidFill>
+                            <a:schemeClr val="tx1"/>
+                          </a:solidFill>
+                          <a:effectLst/>
+                        </a:rPr>
+                        <a:t>Test Result</a:t>
+                      </a:r>
+                      <a:endParaRPr lang="en-US" sz="1800" b="1" i="0" u="sng" strike="noStrike" dirty="0">
+                        <a:solidFill>
+                          <a:schemeClr val="tx1"/>
+                        </a:solidFill>
+                        <a:effectLst/>
+                        <a:latin typeface="Times New Roman" panose="02020603050405020304" pitchFamily="18" charset="0"/>
+                        <a:cs typeface="Times New Roman" panose="02020603050405020304" pitchFamily="18" charset="0"/>
+                      </a:endParaRPr>
+                    </a:p>
+                  </a:txBody>
+                  <a:tcPr marL="9525" marR="9525" marT="9525" marB="0" anchor="ctr"/>
+                </a:tc>
+                <a:extLst>
+                  <a:ext uri="{0D108BD9-81ED-4DB2-BD59-A6C34878D82A}">
+                    <a16:rowId xmlns:a16="http://schemas.microsoft.com/office/drawing/2014/main" val="1617694472"/>
+                  </a:ext>
+                </a:extLst>
+              </a:tr>
+              <a:tr h="645965">
+                <a:tc>
+                  <a:txBody>
+                    <a:bodyPr/>
+                    <a:lstStyle/>
+                    <a:p>
+                      <a:pPr algn="ctr" fontAlgn="b"/>
+                      <a:r>
+                        <a:rPr lang="en-US" sz="1800" u="none" strike="noStrike" dirty="0">
+                          <a:solidFill>
+                            <a:schemeClr val="tx1"/>
+                          </a:solidFill>
+                          <a:effectLst/>
+                        </a:rPr>
+                        <a:t>1</a:t>
+                      </a:r>
+                      <a:endParaRPr lang="en-US" sz="1800" b="0" i="0" u="none" strike="noStrike" dirty="0">
+                        <a:solidFill>
+                          <a:schemeClr val="tx1"/>
+                        </a:solidFill>
+                        <a:effectLst/>
+                        <a:latin typeface="Times New Roman" panose="02020603050405020304" pitchFamily="18" charset="0"/>
+                        <a:cs typeface="Times New Roman" panose="02020603050405020304" pitchFamily="18" charset="0"/>
+                      </a:endParaRPr>
+                    </a:p>
+                  </a:txBody>
+                  <a:tcPr marL="9525" marR="9525" marT="9525" marB="0" anchor="b"/>
+                </a:tc>
+                <a:tc>
+                  <a:txBody>
+                    <a:bodyPr/>
+                    <a:lstStyle/>
+                    <a:p>
+                      <a:pPr algn="ctr" fontAlgn="b"/>
+                      <a:r>
+                        <a:rPr lang="en-US" sz="1800" b="0" u="none" strike="noStrike" dirty="0">
+                          <a:solidFill>
+                            <a:schemeClr val="tx1"/>
+                          </a:solidFill>
+                          <a:effectLst/>
+                        </a:rPr>
+                        <a:t>Symbol</a:t>
+                      </a:r>
+                      <a:endParaRPr lang="en-US" sz="1800" b="0" i="0" u="none" strike="noStrike" dirty="0">
+                        <a:solidFill>
+                          <a:schemeClr val="tx1"/>
+                        </a:solidFill>
+                        <a:effectLst/>
+                        <a:latin typeface="Times New Roman" panose="02020603050405020304" pitchFamily="18" charset="0"/>
+                        <a:cs typeface="Times New Roman" panose="02020603050405020304" pitchFamily="18" charset="0"/>
+                      </a:endParaRPr>
+                    </a:p>
+                  </a:txBody>
+                  <a:tcPr marL="9525" marR="9525" marT="9525" marB="0" anchor="b"/>
+                </a:tc>
+                <a:tc>
+                  <a:txBody>
+                    <a:bodyPr/>
+                    <a:lstStyle/>
+                    <a:p>
+                      <a:pPr algn="ctr" fontAlgn="b"/>
+                      <a:r>
+                        <a:rPr lang="en-US" sz="1800" b="0" u="none" strike="noStrike" dirty="0">
+                          <a:solidFill>
+                            <a:schemeClr val="tx1"/>
+                          </a:solidFill>
+                          <a:effectLst/>
+                        </a:rPr>
+                        <a:t>As per Yahoo Finance</a:t>
+                      </a:r>
+                      <a:endParaRPr lang="en-US" sz="1800" b="0" i="0" u="none" strike="noStrike" dirty="0">
+                        <a:solidFill>
+                          <a:schemeClr val="tx1"/>
+                        </a:solidFill>
+                        <a:effectLst/>
+                        <a:latin typeface="Times New Roman" panose="02020603050405020304" pitchFamily="18" charset="0"/>
+                        <a:cs typeface="Times New Roman" panose="02020603050405020304" pitchFamily="18" charset="0"/>
+                      </a:endParaRPr>
+                    </a:p>
+                  </a:txBody>
+                  <a:tcPr marL="9525" marR="9525" marT="9525" marB="0" anchor="b"/>
+                </a:tc>
+                <a:tc>
+                  <a:txBody>
+                    <a:bodyPr/>
+                    <a:lstStyle/>
+                    <a:p>
+                      <a:pPr marL="0" marR="0" indent="0" algn="ctr" defTabSz="457200" rtl="0" eaLnBrk="1" fontAlgn="b" latinLnBrk="0" hangingPunct="1">
+                        <a:lnSpc>
+                          <a:spcPct val="100000"/>
+                        </a:lnSpc>
+                        <a:spcBef>
+                          <a:spcPts val="0"/>
+                        </a:spcBef>
+                        <a:spcAft>
+                          <a:spcPts val="0"/>
+                        </a:spcAft>
+                        <a:buClrTx/>
+                        <a:buSzTx/>
+                        <a:buFontTx/>
+                        <a:buNone/>
+                        <a:tabLst/>
+                        <a:defRPr/>
+                      </a:pPr>
+                      <a:r>
+                        <a:rPr lang="en-US" sz="1800" b="0" u="none" strike="noStrike" dirty="0">
+                          <a:solidFill>
+                            <a:schemeClr val="tx1"/>
+                          </a:solidFill>
+                          <a:effectLst/>
+                        </a:rPr>
+                        <a:t>Pass</a:t>
+                      </a:r>
+                      <a:endParaRPr lang="en-US" sz="1800" b="0" i="0" u="none" strike="noStrike" dirty="0">
+                        <a:solidFill>
+                          <a:schemeClr val="tx1"/>
+                        </a:solidFill>
+                        <a:effectLst/>
+                        <a:latin typeface="Times New Roman" panose="02020603050405020304" pitchFamily="18" charset="0"/>
+                        <a:cs typeface="Times New Roman" panose="02020603050405020304" pitchFamily="18" charset="0"/>
+                      </a:endParaRPr>
+                    </a:p>
+                  </a:txBody>
+                  <a:tcPr marL="9525" marR="9525" marT="9525" marB="0" anchor="b"/>
+                </a:tc>
+                <a:extLst>
+                  <a:ext uri="{0D108BD9-81ED-4DB2-BD59-A6C34878D82A}">
+                    <a16:rowId xmlns:a16="http://schemas.microsoft.com/office/drawing/2014/main" val="980526683"/>
+                  </a:ext>
+                </a:extLst>
+              </a:tr>
+            </a:tbl>
+          </a:graphicData>
+        </a:graphic>
+      </p:graphicFrame>
     </p:spTree>
     <p:extLst>
       <p:ext uri="{BB962C8B-B14F-4D97-AF65-F5344CB8AC3E}">
-        <p14:creationId xmlns:p14="http://schemas.microsoft.com/office/powerpoint/2010/main" val="3895654372"/>
+        <p14:creationId xmlns:p14="http://schemas.microsoft.com/office/powerpoint/2010/main" val="2221391243"/>
       </p:ext>
     </p:extLst>
   </p:cSld>
@@ -13617,50 +15229,504 @@
       </p:grpSpPr>
       <p:sp>
         <p:nvSpPr>
-          <p:cNvPr id="2" name="Rectangle 1"/>
-          <p:cNvSpPr/>
-          <p:nvPr/>
+          <p:cNvPr id="2" name="Title 1">
+            <a:extLst>
+              <a:ext uri="{FF2B5EF4-FFF2-40B4-BE49-F238E27FC236}">
+                <a16:creationId xmlns:a16="http://schemas.microsoft.com/office/drawing/2014/main" id="{D6AF07E2-2033-4F66-A61A-0671AA60DDEB}"/>
+              </a:ext>
+            </a:extLst>
+          </p:cNvPr>
+          <p:cNvSpPr>
+            <a:spLocks noGrp="1"/>
+          </p:cNvSpPr>
+          <p:nvPr>
+            <p:ph type="title"/>
+          </p:nvPr>
         </p:nvSpPr>
-        <p:spPr>
-          <a:xfrm>
-            <a:off x="1955454" y="2598003"/>
-            <a:ext cx="3940118" cy="830997"/>
-          </a:xfrm>
-          <a:prstGeom prst="rect">
-            <a:avLst/>
-          </a:prstGeom>
-          <a:noFill/>
-        </p:spPr>
+        <p:spPr/>
         <p:txBody>
-          <a:bodyPr wrap="none">
-            <a:spAutoFit/>
-          </a:bodyPr>
+          <a:bodyPr/>
           <a:lstStyle/>
           <a:p>
-            <a:pPr algn="ctr">
-              <a:spcBef>
-                <a:spcPct val="0"/>
-              </a:spcBef>
-              <a:defRPr/>
-            </a:pPr>
-            <a:r>
-              <a:rPr lang="en-US" sz="4800" b="1" u="sng" dirty="0">
-                <a:solidFill>
-                  <a:schemeClr val="tx2"/>
-                </a:solidFill>
-                <a:latin typeface="Times New Roman" panose="02020603050405020304" pitchFamily="18" charset="0"/>
-                <a:ea typeface="+mj-ea"/>
-                <a:cs typeface="Times New Roman" panose="02020603050405020304" pitchFamily="18" charset="0"/>
-              </a:rPr>
-              <a:t>THANK YOU</a:t>
-            </a:r>
+            <a:r>
+              <a:rPr lang="en-US" dirty="0"/>
+              <a:t>Future Enhancement </a:t>
+            </a:r>
+          </a:p>
+        </p:txBody>
+      </p:sp>
+      <p:sp>
+        <p:nvSpPr>
+          <p:cNvPr id="3" name="Text Placeholder 2">
+            <a:extLst>
+              <a:ext uri="{FF2B5EF4-FFF2-40B4-BE49-F238E27FC236}">
+                <a16:creationId xmlns:a16="http://schemas.microsoft.com/office/drawing/2014/main" id="{606413EA-31CC-401C-AA52-AB1B7F685215}"/>
+              </a:ext>
+            </a:extLst>
+          </p:cNvPr>
+          <p:cNvSpPr>
+            <a:spLocks noGrp="1"/>
+          </p:cNvSpPr>
+          <p:nvPr>
+            <p:ph type="body" idx="1"/>
+          </p:nvPr>
+        </p:nvSpPr>
+        <p:spPr/>
+        <p:txBody>
+          <a:bodyPr/>
+          <a:lstStyle/>
+          <a:p>
+            <a:endParaRPr lang="en-IN" dirty="0"/>
           </a:p>
         </p:txBody>
       </p:sp>
     </p:spTree>
     <p:extLst>
       <p:ext uri="{BB962C8B-B14F-4D97-AF65-F5344CB8AC3E}">
-        <p14:creationId xmlns:p14="http://schemas.microsoft.com/office/powerpoint/2010/main" val="4017097165"/>
+        <p14:creationId xmlns:p14="http://schemas.microsoft.com/office/powerpoint/2010/main" val="2060414421"/>
+      </p:ext>
+    </p:extLst>
+  </p:cSld>
+  <p:clrMapOvr>
+    <a:masterClrMapping/>
+  </p:clrMapOvr>
+</p:sld>
+</file>
+
+<file path=ppt/slides/slide44.xml><?xml version="1.0" encoding="utf-8"?>
+<p:sld xmlns:a="http://schemas.openxmlformats.org/drawingml/2006/main" xmlns:r="http://schemas.openxmlformats.org/officeDocument/2006/relationships" xmlns:p="http://schemas.openxmlformats.org/presentationml/2006/main">
+  <p:cSld>
+    <p:spTree>
+      <p:nvGrpSpPr>
+        <p:cNvPr id="1" name=""/>
+        <p:cNvGrpSpPr/>
+        <p:nvPr/>
+      </p:nvGrpSpPr>
+      <p:grpSpPr>
+        <a:xfrm>
+          <a:off x="0" y="0"/>
+          <a:ext cx="0" cy="0"/>
+          <a:chOff x="0" y="0"/>
+          <a:chExt cx="0" cy="0"/>
+        </a:xfrm>
+      </p:grpSpPr>
+      <p:sp>
+        <p:nvSpPr>
+          <p:cNvPr id="2" name="Title 1">
+            <a:extLst>
+              <a:ext uri="{FF2B5EF4-FFF2-40B4-BE49-F238E27FC236}">
+                <a16:creationId xmlns:a16="http://schemas.microsoft.com/office/drawing/2014/main" id="{6333E874-0081-4EB8-AE50-2317ED5F8C40}"/>
+              </a:ext>
+            </a:extLst>
+          </p:cNvPr>
+          <p:cNvSpPr>
+            <a:spLocks noGrp="1"/>
+          </p:cNvSpPr>
+          <p:nvPr>
+            <p:ph type="title"/>
+          </p:nvPr>
+        </p:nvSpPr>
+        <p:spPr/>
+        <p:txBody>
+          <a:bodyPr/>
+          <a:lstStyle/>
+          <a:p>
+            <a:r>
+              <a:rPr lang="en-US" dirty="0"/>
+              <a:t>Future Enhancement </a:t>
+            </a:r>
+            <a:endParaRPr lang="en-IN" dirty="0"/>
+          </a:p>
+        </p:txBody>
+      </p:sp>
+      <p:sp>
+        <p:nvSpPr>
+          <p:cNvPr id="3" name="Content Placeholder 2">
+            <a:extLst>
+              <a:ext uri="{FF2B5EF4-FFF2-40B4-BE49-F238E27FC236}">
+                <a16:creationId xmlns:a16="http://schemas.microsoft.com/office/drawing/2014/main" id="{118A1944-C412-4D9E-BF6D-B5C5C26FBBB2}"/>
+              </a:ext>
+            </a:extLst>
+          </p:cNvPr>
+          <p:cNvSpPr>
+            <a:spLocks noGrp="1"/>
+          </p:cNvSpPr>
+          <p:nvPr>
+            <p:ph idx="1"/>
+          </p:nvPr>
+        </p:nvSpPr>
+        <p:spPr/>
+        <p:txBody>
+          <a:bodyPr>
+            <a:normAutofit/>
+          </a:bodyPr>
+          <a:lstStyle/>
+          <a:p>
+            <a:r>
+              <a:rPr lang="en-IN" dirty="0"/>
+              <a:t>Implement NLTK to have impact of News on Stock Price Prediction</a:t>
+            </a:r>
+          </a:p>
+          <a:p>
+            <a:endParaRPr lang="en-US" dirty="0"/>
+          </a:p>
+          <a:p>
+            <a:r>
+              <a:rPr lang="en-US" dirty="0"/>
+              <a:t>Speeding up the Model training time</a:t>
+            </a:r>
+          </a:p>
+          <a:p>
+            <a:endParaRPr lang="en-US" dirty="0"/>
+          </a:p>
+          <a:p>
+            <a:r>
+              <a:rPr lang="en-US" dirty="0"/>
+              <a:t>Maintain prebuilt model for faster response</a:t>
+            </a:r>
+          </a:p>
+          <a:p>
+            <a:pPr marL="0" indent="0">
+              <a:buNone/>
+            </a:pPr>
+            <a:endParaRPr lang="en-IN" dirty="0"/>
+          </a:p>
+          <a:p>
+            <a:r>
+              <a:rPr lang="en-IN" dirty="0"/>
+              <a:t>News update for respective stock</a:t>
+            </a:r>
+          </a:p>
+          <a:p>
+            <a:endParaRPr lang="en-IN" dirty="0"/>
+          </a:p>
+          <a:p>
+            <a:r>
+              <a:rPr lang="en-IN" dirty="0"/>
+              <a:t>Stock’s Fundamentals view</a:t>
+            </a:r>
+          </a:p>
+          <a:p>
+            <a:endParaRPr lang="en-IN" dirty="0"/>
+          </a:p>
+        </p:txBody>
+      </p:sp>
+    </p:spTree>
+    <p:extLst>
+      <p:ext uri="{BB962C8B-B14F-4D97-AF65-F5344CB8AC3E}">
+        <p14:creationId xmlns:p14="http://schemas.microsoft.com/office/powerpoint/2010/main" val="3057627662"/>
+      </p:ext>
+    </p:extLst>
+  </p:cSld>
+  <p:clrMapOvr>
+    <a:masterClrMapping/>
+  </p:clrMapOvr>
+</p:sld>
+</file>
+
+<file path=ppt/slides/slide45.xml><?xml version="1.0" encoding="utf-8"?>
+<p:sld xmlns:a="http://schemas.openxmlformats.org/drawingml/2006/main" xmlns:r="http://schemas.openxmlformats.org/officeDocument/2006/relationships" xmlns:p="http://schemas.openxmlformats.org/presentationml/2006/main">
+  <p:cSld>
+    <p:spTree>
+      <p:nvGrpSpPr>
+        <p:cNvPr id="1" name=""/>
+        <p:cNvGrpSpPr/>
+        <p:nvPr/>
+      </p:nvGrpSpPr>
+      <p:grpSpPr>
+        <a:xfrm>
+          <a:off x="0" y="0"/>
+          <a:ext cx="0" cy="0"/>
+          <a:chOff x="0" y="0"/>
+          <a:chExt cx="0" cy="0"/>
+        </a:xfrm>
+      </p:grpSpPr>
+      <p:sp>
+        <p:nvSpPr>
+          <p:cNvPr id="2" name="Title 1">
+            <a:extLst>
+              <a:ext uri="{FF2B5EF4-FFF2-40B4-BE49-F238E27FC236}">
+                <a16:creationId xmlns:a16="http://schemas.microsoft.com/office/drawing/2014/main" id="{D6AF07E2-2033-4F66-A61A-0671AA60DDEB}"/>
+              </a:ext>
+            </a:extLst>
+          </p:cNvPr>
+          <p:cNvSpPr>
+            <a:spLocks noGrp="1"/>
+          </p:cNvSpPr>
+          <p:nvPr>
+            <p:ph type="title"/>
+          </p:nvPr>
+        </p:nvSpPr>
+        <p:spPr/>
+        <p:txBody>
+          <a:bodyPr/>
+          <a:lstStyle/>
+          <a:p>
+            <a:r>
+              <a:rPr lang="en-US" dirty="0"/>
+              <a:t>Bibliography</a:t>
+            </a:r>
+          </a:p>
+        </p:txBody>
+      </p:sp>
+      <p:sp>
+        <p:nvSpPr>
+          <p:cNvPr id="3" name="Text Placeholder 2">
+            <a:extLst>
+              <a:ext uri="{FF2B5EF4-FFF2-40B4-BE49-F238E27FC236}">
+                <a16:creationId xmlns:a16="http://schemas.microsoft.com/office/drawing/2014/main" id="{606413EA-31CC-401C-AA52-AB1B7F685215}"/>
+              </a:ext>
+            </a:extLst>
+          </p:cNvPr>
+          <p:cNvSpPr>
+            <a:spLocks noGrp="1"/>
+          </p:cNvSpPr>
+          <p:nvPr>
+            <p:ph type="body" idx="1"/>
+          </p:nvPr>
+        </p:nvSpPr>
+        <p:spPr/>
+        <p:txBody>
+          <a:bodyPr/>
+          <a:lstStyle/>
+          <a:p>
+            <a:endParaRPr lang="en-IN" dirty="0"/>
+          </a:p>
+        </p:txBody>
+      </p:sp>
+    </p:spTree>
+    <p:extLst>
+      <p:ext uri="{BB962C8B-B14F-4D97-AF65-F5344CB8AC3E}">
+        <p14:creationId xmlns:p14="http://schemas.microsoft.com/office/powerpoint/2010/main" val="204634296"/>
+      </p:ext>
+    </p:extLst>
+  </p:cSld>
+  <p:clrMapOvr>
+    <a:masterClrMapping/>
+  </p:clrMapOvr>
+</p:sld>
+</file>
+
+<file path=ppt/slides/slide46.xml><?xml version="1.0" encoding="utf-8"?>
+<p:sld xmlns:a="http://schemas.openxmlformats.org/drawingml/2006/main" xmlns:r="http://schemas.openxmlformats.org/officeDocument/2006/relationships" xmlns:p="http://schemas.openxmlformats.org/presentationml/2006/main">
+  <p:cSld>
+    <p:spTree>
+      <p:nvGrpSpPr>
+        <p:cNvPr id="1" name=""/>
+        <p:cNvGrpSpPr/>
+        <p:nvPr/>
+      </p:nvGrpSpPr>
+      <p:grpSpPr>
+        <a:xfrm>
+          <a:off x="0" y="0"/>
+          <a:ext cx="0" cy="0"/>
+          <a:chOff x="0" y="0"/>
+          <a:chExt cx="0" cy="0"/>
+        </a:xfrm>
+      </p:grpSpPr>
+      <p:sp>
+        <p:nvSpPr>
+          <p:cNvPr id="2" name="Title 1">
+            <a:extLst>
+              <a:ext uri="{FF2B5EF4-FFF2-40B4-BE49-F238E27FC236}">
+                <a16:creationId xmlns:a16="http://schemas.microsoft.com/office/drawing/2014/main" id="{6333E874-0081-4EB8-AE50-2317ED5F8C40}"/>
+              </a:ext>
+            </a:extLst>
+          </p:cNvPr>
+          <p:cNvSpPr>
+            <a:spLocks noGrp="1"/>
+          </p:cNvSpPr>
+          <p:nvPr>
+            <p:ph type="title"/>
+          </p:nvPr>
+        </p:nvSpPr>
+        <p:spPr/>
+        <p:txBody>
+          <a:bodyPr/>
+          <a:lstStyle/>
+          <a:p>
+            <a:r>
+              <a:rPr lang="en-US" dirty="0"/>
+              <a:t>Bibliography</a:t>
+            </a:r>
+            <a:endParaRPr lang="en-IN" dirty="0"/>
+          </a:p>
+        </p:txBody>
+      </p:sp>
+      <p:sp>
+        <p:nvSpPr>
+          <p:cNvPr id="3" name="Content Placeholder 2">
+            <a:extLst>
+              <a:ext uri="{FF2B5EF4-FFF2-40B4-BE49-F238E27FC236}">
+                <a16:creationId xmlns:a16="http://schemas.microsoft.com/office/drawing/2014/main" id="{118A1944-C412-4D9E-BF6D-B5C5C26FBBB2}"/>
+              </a:ext>
+            </a:extLst>
+          </p:cNvPr>
+          <p:cNvSpPr>
+            <a:spLocks noGrp="1"/>
+          </p:cNvSpPr>
+          <p:nvPr>
+            <p:ph idx="1"/>
+          </p:nvPr>
+        </p:nvSpPr>
+        <p:spPr/>
+        <p:txBody>
+          <a:bodyPr>
+            <a:normAutofit/>
+          </a:bodyPr>
+          <a:lstStyle/>
+          <a:p>
+            <a:r>
+              <a:rPr lang="en-IN" dirty="0">
+                <a:hlinkClick r:id="rId2"/>
+              </a:rPr>
+              <a:t>https://www.djangoproject.com/</a:t>
+            </a:r>
+            <a:endParaRPr lang="en-IN" dirty="0"/>
+          </a:p>
+          <a:p>
+            <a:endParaRPr lang="en-IN" dirty="0"/>
+          </a:p>
+          <a:p>
+            <a:r>
+              <a:rPr lang="en-IN" dirty="0">
+                <a:hlinkClick r:id="rId3"/>
+              </a:rPr>
+              <a:t>https://in.finance.yahoo.com/</a:t>
+            </a:r>
+            <a:endParaRPr lang="en-IN" dirty="0"/>
+          </a:p>
+          <a:p>
+            <a:endParaRPr lang="en-IN" dirty="0"/>
+          </a:p>
+          <a:p>
+            <a:r>
+              <a:rPr lang="en-IN" dirty="0">
+                <a:hlinkClick r:id="rId4"/>
+              </a:rPr>
+              <a:t>https://www.python.org/</a:t>
+            </a:r>
+            <a:endParaRPr lang="en-IN" dirty="0"/>
+          </a:p>
+          <a:p>
+            <a:endParaRPr lang="en-IN" dirty="0"/>
+          </a:p>
+          <a:p>
+            <a:r>
+              <a:rPr lang="en-IN" dirty="0">
+                <a:hlinkClick r:id="rId5"/>
+              </a:rPr>
+              <a:t>http://tensorflow.org/</a:t>
+            </a:r>
+            <a:endParaRPr lang="en-IN" dirty="0"/>
+          </a:p>
+          <a:p>
+            <a:endParaRPr lang="en-IN" dirty="0"/>
+          </a:p>
+          <a:p>
+            <a:r>
+              <a:rPr lang="en-IN" dirty="0">
+                <a:hlinkClick r:id="rId6"/>
+              </a:rPr>
+              <a:t>http://keras.io/</a:t>
+            </a:r>
+            <a:endParaRPr lang="en-IN" dirty="0"/>
+          </a:p>
+          <a:p>
+            <a:endParaRPr lang="en-IN" dirty="0"/>
+          </a:p>
+          <a:p>
+            <a:endParaRPr lang="en-IN" dirty="0"/>
+          </a:p>
+        </p:txBody>
+      </p:sp>
+    </p:spTree>
+    <p:extLst>
+      <p:ext uri="{BB962C8B-B14F-4D97-AF65-F5344CB8AC3E}">
+        <p14:creationId xmlns:p14="http://schemas.microsoft.com/office/powerpoint/2010/main" val="3895654372"/>
+      </p:ext>
+    </p:extLst>
+  </p:cSld>
+  <p:clrMapOvr>
+    <a:masterClrMapping/>
+  </p:clrMapOvr>
+</p:sld>
+</file>
+
+<file path=ppt/slides/slide47.xml><?xml version="1.0" encoding="utf-8"?>
+<p:sld xmlns:a="http://schemas.openxmlformats.org/drawingml/2006/main" xmlns:r="http://schemas.openxmlformats.org/officeDocument/2006/relationships" xmlns:p="http://schemas.openxmlformats.org/presentationml/2006/main">
+  <p:cSld>
+    <p:spTree>
+      <p:nvGrpSpPr>
+        <p:cNvPr id="1" name=""/>
+        <p:cNvGrpSpPr/>
+        <p:nvPr/>
+      </p:nvGrpSpPr>
+      <p:grpSpPr>
+        <a:xfrm>
+          <a:off x="0" y="0"/>
+          <a:ext cx="0" cy="0"/>
+          <a:chOff x="0" y="0"/>
+          <a:chExt cx="0" cy="0"/>
+        </a:xfrm>
+      </p:grpSpPr>
+      <p:sp>
+        <p:nvSpPr>
+          <p:cNvPr id="2" name="Title 1">
+            <a:extLst>
+              <a:ext uri="{FF2B5EF4-FFF2-40B4-BE49-F238E27FC236}">
+                <a16:creationId xmlns:a16="http://schemas.microsoft.com/office/drawing/2014/main" id="{D6AF07E2-2033-4F66-A61A-0671AA60DDEB}"/>
+              </a:ext>
+            </a:extLst>
+          </p:cNvPr>
+          <p:cNvSpPr>
+            <a:spLocks noGrp="1"/>
+          </p:cNvSpPr>
+          <p:nvPr>
+            <p:ph type="title"/>
+          </p:nvPr>
+        </p:nvSpPr>
+        <p:spPr/>
+        <p:txBody>
+          <a:bodyPr/>
+          <a:lstStyle/>
+          <a:p>
+            <a:r>
+              <a:rPr lang="en-US" dirty="0"/>
+              <a:t>Thank You</a:t>
+            </a:r>
+          </a:p>
+        </p:txBody>
+      </p:sp>
+      <p:sp>
+        <p:nvSpPr>
+          <p:cNvPr id="3" name="Text Placeholder 2">
+            <a:extLst>
+              <a:ext uri="{FF2B5EF4-FFF2-40B4-BE49-F238E27FC236}">
+                <a16:creationId xmlns:a16="http://schemas.microsoft.com/office/drawing/2014/main" id="{606413EA-31CC-401C-AA52-AB1B7F685215}"/>
+              </a:ext>
+            </a:extLst>
+          </p:cNvPr>
+          <p:cNvSpPr>
+            <a:spLocks noGrp="1"/>
+          </p:cNvSpPr>
+          <p:nvPr>
+            <p:ph type="body" idx="1"/>
+          </p:nvPr>
+        </p:nvSpPr>
+        <p:spPr/>
+        <p:txBody>
+          <a:bodyPr/>
+          <a:lstStyle/>
+          <a:p>
+            <a:endParaRPr lang="en-IN" dirty="0"/>
+          </a:p>
+        </p:txBody>
+      </p:sp>
+    </p:spTree>
+    <p:extLst>
+      <p:ext uri="{BB962C8B-B14F-4D97-AF65-F5344CB8AC3E}">
+        <p14:creationId xmlns:p14="http://schemas.microsoft.com/office/powerpoint/2010/main" val="3192786308"/>
       </p:ext>
     </p:extLst>
   </p:cSld>

--- a/Project Presentation/PPT/SPP.pptx
+++ b/Project Presentation/PPT/SPP.pptx
@@ -880,7 +880,7 @@
           <a:p>
             <a:fld id="{10B8E609-8106-4194-9A1E-806FDC5FBA7B}" type="datetimeFigureOut">
               <a:rPr lang="en-US" smtClean="0"/>
-              <a:t>3/13/2021</a:t>
+              <a:t>3/30/2021</a:t>
             </a:fld>
             <a:endParaRPr lang="en-US"/>
           </a:p>
@@ -1131,7 +1131,7 @@
           <a:p>
             <a:fld id="{10B8E609-8106-4194-9A1E-806FDC5FBA7B}" type="datetimeFigureOut">
               <a:rPr lang="en-US" smtClean="0"/>
-              <a:t>3/13/2021</a:t>
+              <a:t>3/30/2021</a:t>
             </a:fld>
             <a:endParaRPr lang="en-US"/>
           </a:p>
@@ -1445,7 +1445,7 @@
           <a:p>
             <a:fld id="{10B8E609-8106-4194-9A1E-806FDC5FBA7B}" type="datetimeFigureOut">
               <a:rPr lang="en-US" smtClean="0"/>
-              <a:t>3/13/2021</a:t>
+              <a:t>3/30/2021</a:t>
             </a:fld>
             <a:endParaRPr lang="en-US"/>
           </a:p>
@@ -1786,7 +1786,7 @@
           <a:p>
             <a:fld id="{10B8E609-8106-4194-9A1E-806FDC5FBA7B}" type="datetimeFigureOut">
               <a:rPr lang="en-US" smtClean="0"/>
-              <a:t>3/13/2021</a:t>
+              <a:t>3/30/2021</a:t>
             </a:fld>
             <a:endParaRPr lang="en-US"/>
           </a:p>
@@ -2100,7 +2100,7 @@
           <a:p>
             <a:fld id="{10B8E609-8106-4194-9A1E-806FDC5FBA7B}" type="datetimeFigureOut">
               <a:rPr lang="en-US" smtClean="0"/>
-              <a:t>3/13/2021</a:t>
+              <a:t>3/30/2021</a:t>
             </a:fld>
             <a:endParaRPr lang="en-US"/>
           </a:p>
@@ -2493,7 +2493,7 @@
           <a:p>
             <a:fld id="{10B8E609-8106-4194-9A1E-806FDC5FBA7B}" type="datetimeFigureOut">
               <a:rPr lang="en-US" smtClean="0"/>
-              <a:t>3/13/2021</a:t>
+              <a:t>3/30/2021</a:t>
             </a:fld>
             <a:endParaRPr lang="en-US"/>
           </a:p>
@@ -2663,7 +2663,7 @@
           <a:p>
             <a:fld id="{10B8E609-8106-4194-9A1E-806FDC5FBA7B}" type="datetimeFigureOut">
               <a:rPr lang="en-US" smtClean="0"/>
-              <a:t>3/13/2021</a:t>
+              <a:t>3/30/2021</a:t>
             </a:fld>
             <a:endParaRPr lang="en-US"/>
           </a:p>
@@ -2843,7 +2843,7 @@
           <a:p>
             <a:fld id="{10B8E609-8106-4194-9A1E-806FDC5FBA7B}" type="datetimeFigureOut">
               <a:rPr lang="en-US" smtClean="0"/>
-              <a:t>3/13/2021</a:t>
+              <a:t>3/30/2021</a:t>
             </a:fld>
             <a:endParaRPr lang="en-US"/>
           </a:p>
@@ -3019,7 +3019,7 @@
           <a:p>
             <a:fld id="{10B8E609-8106-4194-9A1E-806FDC5FBA7B}" type="datetimeFigureOut">
               <a:rPr lang="en-US" smtClean="0"/>
-              <a:t>3/13/2021</a:t>
+              <a:t>3/30/2021</a:t>
             </a:fld>
             <a:endParaRPr lang="en-US"/>
           </a:p>
@@ -3266,7 +3266,7 @@
           <a:p>
             <a:fld id="{10B8E609-8106-4194-9A1E-806FDC5FBA7B}" type="datetimeFigureOut">
               <a:rPr lang="en-US" smtClean="0"/>
-              <a:t>3/13/2021</a:t>
+              <a:t>3/30/2021</a:t>
             </a:fld>
             <a:endParaRPr lang="en-US"/>
           </a:p>
@@ -3498,7 +3498,7 @@
           <a:p>
             <a:fld id="{10B8E609-8106-4194-9A1E-806FDC5FBA7B}" type="datetimeFigureOut">
               <a:rPr lang="en-US" smtClean="0"/>
-              <a:t>3/13/2021</a:t>
+              <a:t>3/30/2021</a:t>
             </a:fld>
             <a:endParaRPr lang="en-US"/>
           </a:p>
@@ -3872,7 +3872,7 @@
           <a:p>
             <a:fld id="{10B8E609-8106-4194-9A1E-806FDC5FBA7B}" type="datetimeFigureOut">
               <a:rPr lang="en-US" smtClean="0"/>
-              <a:t>3/13/2021</a:t>
+              <a:t>3/30/2021</a:t>
             </a:fld>
             <a:endParaRPr lang="en-US"/>
           </a:p>
@@ -3995,7 +3995,7 @@
           <a:p>
             <a:fld id="{10B8E609-8106-4194-9A1E-806FDC5FBA7B}" type="datetimeFigureOut">
               <a:rPr lang="en-US" smtClean="0"/>
-              <a:t>3/13/2021</a:t>
+              <a:t>3/30/2021</a:t>
             </a:fld>
             <a:endParaRPr lang="en-US"/>
           </a:p>
@@ -4090,7 +4090,7 @@
           <a:p>
             <a:fld id="{10B8E609-8106-4194-9A1E-806FDC5FBA7B}" type="datetimeFigureOut">
               <a:rPr lang="en-US" smtClean="0"/>
-              <a:t>3/13/2021</a:t>
+              <a:t>3/30/2021</a:t>
             </a:fld>
             <a:endParaRPr lang="en-US"/>
           </a:p>
@@ -4345,7 +4345,7 @@
           <a:p>
             <a:fld id="{10B8E609-8106-4194-9A1E-806FDC5FBA7B}" type="datetimeFigureOut">
               <a:rPr lang="en-US" smtClean="0"/>
-              <a:t>3/13/2021</a:t>
+              <a:t>3/30/2021</a:t>
             </a:fld>
             <a:endParaRPr lang="en-US"/>
           </a:p>
@@ -4608,7 +4608,7 @@
           <a:p>
             <a:fld id="{10B8E609-8106-4194-9A1E-806FDC5FBA7B}" type="datetimeFigureOut">
               <a:rPr lang="en-US" smtClean="0"/>
-              <a:t>3/13/2021</a:t>
+              <a:t>3/30/2021</a:t>
             </a:fld>
             <a:endParaRPr lang="en-US"/>
           </a:p>
@@ -5351,7 +5351,7 @@
           <a:p>
             <a:fld id="{10B8E609-8106-4194-9A1E-806FDC5FBA7B}" type="datetimeFigureOut">
               <a:rPr lang="en-US" smtClean="0"/>
-              <a:t>3/13/2021</a:t>
+              <a:t>3/30/2021</a:t>
             </a:fld>
             <a:endParaRPr lang="en-US"/>
           </a:p>
@@ -6095,7 +6095,7 @@
         <p:spPr>
           <a:xfrm>
             <a:off x="781747" y="4448121"/>
-            <a:ext cx="9144000" cy="1323439"/>
+            <a:ext cx="9144000" cy="1015663"/>
           </a:xfrm>
           <a:prstGeom prst="rect">
             <a:avLst/>
@@ -6150,27 +6150,6 @@
               </a:rPr>
               <a:t> </a:t>
             </a:r>
-            <a:r>
-              <a:rPr lang="en-US" sz="2000" dirty="0" err="1">
-                <a:latin typeface="Times New Roman" panose="02020603050405020304" pitchFamily="18" charset="0"/>
-                <a:cs typeface="Times New Roman" panose="02020603050405020304" pitchFamily="18" charset="0"/>
-              </a:rPr>
-              <a:t>xxxxxx</a:t>
-            </a:r>
-            <a:r>
-              <a:rPr lang="en-US" sz="2000" dirty="0">
-                <a:latin typeface="Times New Roman" panose="02020603050405020304" pitchFamily="18" charset="0"/>
-                <a:cs typeface="Times New Roman" panose="02020603050405020304" pitchFamily="18" charset="0"/>
-              </a:rPr>
-              <a:t>…    (External Guide)</a:t>
-            </a:r>
-          </a:p>
-          <a:p>
-            <a:pPr algn="ctr"/>
-            <a:endParaRPr lang="en-US" sz="2000" dirty="0">
-              <a:latin typeface="Times New Roman" panose="02020603050405020304" pitchFamily="18" charset="0"/>
-              <a:cs typeface="Times New Roman" panose="02020603050405020304" pitchFamily="18" charset="0"/>
-            </a:endParaRPr>
           </a:p>
         </p:txBody>
       </p:sp>
@@ -7688,7 +7667,7 @@
           <a:p>
             <a:r>
               <a:rPr lang="en-US" dirty="0"/>
-              <a:t>Activity Diagram for User</a:t>
+              <a:t>Activity Diagram for Admin</a:t>
             </a:r>
             <a:endParaRPr lang="en-IN" dirty="0"/>
           </a:p>
@@ -10976,7 +10955,7 @@
           <p:nvPr>
             <p:extLst>
               <p:ext uri="{D42A27DB-BD31-4B8C-83A1-F6EECF244321}">
-                <p14:modId xmlns:p14="http://schemas.microsoft.com/office/powerpoint/2010/main" val="1230955202"/>
+                <p14:modId xmlns:p14="http://schemas.microsoft.com/office/powerpoint/2010/main" val="199284885"/>
               </p:ext>
             </p:extLst>
           </p:nvPr>
@@ -11949,12 +11928,15 @@
                         </a:spcAft>
                         <a:defRPr/>
                       </a:pPr>
-                      <a:endParaRPr lang="en-US" sz="1600" b="0" strike="noStrike" dirty="0">
-                        <a:effectLst/>
-                        <a:latin typeface="Calibri" panose="020F0502020204030204" pitchFamily="34" charset="0"/>
-                        <a:ea typeface="Verdana" pitchFamily="34" charset="0"/>
-                        <a:cs typeface="Calibri" panose="020F0502020204030204" pitchFamily="34" charset="0"/>
-                      </a:endParaRPr>
+                      <a:r>
+                        <a:rPr lang="en-US" sz="1600" b="0" strike="noStrike" dirty="0">
+                          <a:effectLst/>
+                          <a:latin typeface="Calibri" panose="020F0502020204030204" pitchFamily="34" charset="0"/>
+                          <a:ea typeface="Verdana" pitchFamily="34" charset="0"/>
+                          <a:cs typeface="Calibri" panose="020F0502020204030204" pitchFamily="34" charset="0"/>
+                        </a:rPr>
+                        <a:t>MADHDA BUSINESS SOLUTIONS PVT LTD</a:t>
+                      </a:r>
                     </a:p>
                   </a:txBody>
                   <a:tcPr marT="45730" marB="45730"/>
@@ -12560,7 +12542,7 @@
         </p:blipFill>
         <p:spPr>
           <a:xfrm>
-            <a:off x="677333" y="1560513"/>
+            <a:off x="677334" y="1560513"/>
             <a:ext cx="8334021" cy="4687887"/>
           </a:xfrm>
         </p:spPr>
@@ -13236,7 +13218,7 @@
                 <a:latin typeface="Times New Roman" panose="02020603050405020304" pitchFamily="18" charset="0"/>
                 <a:cs typeface="Times New Roman" panose="02020603050405020304" pitchFamily="18" charset="0"/>
               </a:rPr>
-              <a:t>Testing For Validation</a:t>
+              <a:t>Testing For Login/Signup Validation</a:t>
             </a:r>
             <a:endParaRPr lang="en-IN" dirty="0"/>
           </a:p>
@@ -15959,7 +15941,7 @@
         <p:spPr>
           <a:xfrm>
             <a:off x="981075" y="2181225"/>
-            <a:ext cx="8572500" cy="5314275"/>
+            <a:ext cx="8572500" cy="4565352"/>
           </a:xfrm>
           <a:prstGeom prst="rect">
             <a:avLst/>
@@ -16190,50 +16172,6 @@
               </a:rPr>
               <a:t>Unawareness of stock price patterns </a:t>
             </a:r>
-          </a:p>
-          <a:p>
-            <a:pPr marL="285750" indent="-285750">
-              <a:spcBef>
-                <a:spcPts val="1000"/>
-              </a:spcBef>
-              <a:buClr>
-                <a:schemeClr val="accent1"/>
-              </a:buClr>
-              <a:buSzPct val="80000"/>
-              <a:buFont typeface="Wingdings 3" charset="2"/>
-              <a:buChar char=""/>
-              <a:defRPr/>
-            </a:pPr>
-            <a:endParaRPr lang="en-US" sz="1600" dirty="0">
-              <a:solidFill>
-                <a:schemeClr val="tx1">
-                  <a:lumMod val="75000"/>
-                  <a:lumOff val="25000"/>
-                </a:schemeClr>
-              </a:solidFill>
-            </a:endParaRPr>
-          </a:p>
-          <a:p>
-            <a:pPr marL="285750" indent="-285750">
-              <a:spcBef>
-                <a:spcPts val="1000"/>
-              </a:spcBef>
-              <a:buClr>
-                <a:schemeClr val="accent1"/>
-              </a:buClr>
-              <a:buSzPct val="80000"/>
-              <a:buFont typeface="Wingdings 3" charset="2"/>
-              <a:buChar char=""/>
-              <a:defRPr/>
-            </a:pPr>
-            <a:endParaRPr lang="en-US" sz="1600" dirty="0">
-              <a:solidFill>
-                <a:schemeClr val="tx1">
-                  <a:lumMod val="75000"/>
-                  <a:lumOff val="25000"/>
-                </a:schemeClr>
-              </a:solidFill>
-            </a:endParaRPr>
           </a:p>
         </p:txBody>
       </p:sp>

--- a/Project Presentation/PPT/SPP.pptx
+++ b/Project Presentation/PPT/SPP.pptx
@@ -880,7 +880,7 @@
           <a:p>
             <a:fld id="{10B8E609-8106-4194-9A1E-806FDC5FBA7B}" type="datetimeFigureOut">
               <a:rPr lang="en-US" smtClean="0"/>
-              <a:t>3/30/2021</a:t>
+              <a:t>3/31/2021</a:t>
             </a:fld>
             <a:endParaRPr lang="en-US"/>
           </a:p>
@@ -1131,7 +1131,7 @@
           <a:p>
             <a:fld id="{10B8E609-8106-4194-9A1E-806FDC5FBA7B}" type="datetimeFigureOut">
               <a:rPr lang="en-US" smtClean="0"/>
-              <a:t>3/30/2021</a:t>
+              <a:t>3/31/2021</a:t>
             </a:fld>
             <a:endParaRPr lang="en-US"/>
           </a:p>
@@ -1445,7 +1445,7 @@
           <a:p>
             <a:fld id="{10B8E609-8106-4194-9A1E-806FDC5FBA7B}" type="datetimeFigureOut">
               <a:rPr lang="en-US" smtClean="0"/>
-              <a:t>3/30/2021</a:t>
+              <a:t>3/31/2021</a:t>
             </a:fld>
             <a:endParaRPr lang="en-US"/>
           </a:p>
@@ -1786,7 +1786,7 @@
           <a:p>
             <a:fld id="{10B8E609-8106-4194-9A1E-806FDC5FBA7B}" type="datetimeFigureOut">
               <a:rPr lang="en-US" smtClean="0"/>
-              <a:t>3/30/2021</a:t>
+              <a:t>3/31/2021</a:t>
             </a:fld>
             <a:endParaRPr lang="en-US"/>
           </a:p>
@@ -2100,7 +2100,7 @@
           <a:p>
             <a:fld id="{10B8E609-8106-4194-9A1E-806FDC5FBA7B}" type="datetimeFigureOut">
               <a:rPr lang="en-US" smtClean="0"/>
-              <a:t>3/30/2021</a:t>
+              <a:t>3/31/2021</a:t>
             </a:fld>
             <a:endParaRPr lang="en-US"/>
           </a:p>
@@ -2493,7 +2493,7 @@
           <a:p>
             <a:fld id="{10B8E609-8106-4194-9A1E-806FDC5FBA7B}" type="datetimeFigureOut">
               <a:rPr lang="en-US" smtClean="0"/>
-              <a:t>3/30/2021</a:t>
+              <a:t>3/31/2021</a:t>
             </a:fld>
             <a:endParaRPr lang="en-US"/>
           </a:p>
@@ -2663,7 +2663,7 @@
           <a:p>
             <a:fld id="{10B8E609-8106-4194-9A1E-806FDC5FBA7B}" type="datetimeFigureOut">
               <a:rPr lang="en-US" smtClean="0"/>
-              <a:t>3/30/2021</a:t>
+              <a:t>3/31/2021</a:t>
             </a:fld>
             <a:endParaRPr lang="en-US"/>
           </a:p>
@@ -2843,7 +2843,7 @@
           <a:p>
             <a:fld id="{10B8E609-8106-4194-9A1E-806FDC5FBA7B}" type="datetimeFigureOut">
               <a:rPr lang="en-US" smtClean="0"/>
-              <a:t>3/30/2021</a:t>
+              <a:t>3/31/2021</a:t>
             </a:fld>
             <a:endParaRPr lang="en-US"/>
           </a:p>
@@ -3019,7 +3019,7 @@
           <a:p>
             <a:fld id="{10B8E609-8106-4194-9A1E-806FDC5FBA7B}" type="datetimeFigureOut">
               <a:rPr lang="en-US" smtClean="0"/>
-              <a:t>3/30/2021</a:t>
+              <a:t>3/31/2021</a:t>
             </a:fld>
             <a:endParaRPr lang="en-US"/>
           </a:p>
@@ -3266,7 +3266,7 @@
           <a:p>
             <a:fld id="{10B8E609-8106-4194-9A1E-806FDC5FBA7B}" type="datetimeFigureOut">
               <a:rPr lang="en-US" smtClean="0"/>
-              <a:t>3/30/2021</a:t>
+              <a:t>3/31/2021</a:t>
             </a:fld>
             <a:endParaRPr lang="en-US"/>
           </a:p>
@@ -3498,7 +3498,7 @@
           <a:p>
             <a:fld id="{10B8E609-8106-4194-9A1E-806FDC5FBA7B}" type="datetimeFigureOut">
               <a:rPr lang="en-US" smtClean="0"/>
-              <a:t>3/30/2021</a:t>
+              <a:t>3/31/2021</a:t>
             </a:fld>
             <a:endParaRPr lang="en-US"/>
           </a:p>
@@ -3872,7 +3872,7 @@
           <a:p>
             <a:fld id="{10B8E609-8106-4194-9A1E-806FDC5FBA7B}" type="datetimeFigureOut">
               <a:rPr lang="en-US" smtClean="0"/>
-              <a:t>3/30/2021</a:t>
+              <a:t>3/31/2021</a:t>
             </a:fld>
             <a:endParaRPr lang="en-US"/>
           </a:p>
@@ -3995,7 +3995,7 @@
           <a:p>
             <a:fld id="{10B8E609-8106-4194-9A1E-806FDC5FBA7B}" type="datetimeFigureOut">
               <a:rPr lang="en-US" smtClean="0"/>
-              <a:t>3/30/2021</a:t>
+              <a:t>3/31/2021</a:t>
             </a:fld>
             <a:endParaRPr lang="en-US"/>
           </a:p>
@@ -4090,7 +4090,7 @@
           <a:p>
             <a:fld id="{10B8E609-8106-4194-9A1E-806FDC5FBA7B}" type="datetimeFigureOut">
               <a:rPr lang="en-US" smtClean="0"/>
-              <a:t>3/30/2021</a:t>
+              <a:t>3/31/2021</a:t>
             </a:fld>
             <a:endParaRPr lang="en-US"/>
           </a:p>
@@ -4345,7 +4345,7 @@
           <a:p>
             <a:fld id="{10B8E609-8106-4194-9A1E-806FDC5FBA7B}" type="datetimeFigureOut">
               <a:rPr lang="en-US" smtClean="0"/>
-              <a:t>3/30/2021</a:t>
+              <a:t>3/31/2021</a:t>
             </a:fld>
             <a:endParaRPr lang="en-US"/>
           </a:p>
@@ -4608,7 +4608,7 @@
           <a:p>
             <a:fld id="{10B8E609-8106-4194-9A1E-806FDC5FBA7B}" type="datetimeFigureOut">
               <a:rPr lang="en-US" smtClean="0"/>
-              <a:t>3/30/2021</a:t>
+              <a:t>3/31/2021</a:t>
             </a:fld>
             <a:endParaRPr lang="en-US"/>
           </a:p>
@@ -5351,7 +5351,7 @@
           <a:p>
             <a:fld id="{10B8E609-8106-4194-9A1E-806FDC5FBA7B}" type="datetimeFigureOut">
               <a:rPr lang="en-US" smtClean="0"/>
-              <a:t>3/30/2021</a:t>
+              <a:t>3/31/2021</a:t>
             </a:fld>
             <a:endParaRPr lang="en-US"/>
           </a:p>
